--- a/npbenchmark-main/MAPF/A_star.pptx
+++ b/npbenchmark-main/MAPF/A_star.pptx
@@ -14,14 +14,14 @@
     <p:sldId id="264" r:id="rId5"/>
     <p:sldId id="260" r:id="rId6"/>
     <p:sldId id="262" r:id="rId7"/>
-    <p:sldId id="266" r:id="rId8"/>
-    <p:sldId id="267" r:id="rId9"/>
-    <p:sldId id="265" r:id="rId10"/>
-    <p:sldId id="269" r:id="rId11"/>
-    <p:sldId id="268" r:id="rId12"/>
-    <p:sldId id="270" r:id="rId13"/>
-    <p:sldId id="271" r:id="rId14"/>
-    <p:sldId id="259" r:id="rId15"/>
+    <p:sldId id="274" r:id="rId8"/>
+    <p:sldId id="275" r:id="rId9"/>
+    <p:sldId id="277" r:id="rId10"/>
+    <p:sldId id="276" r:id="rId11"/>
+    <p:sldId id="278" r:id="rId12"/>
+    <p:sldId id="266" r:id="rId13"/>
+    <p:sldId id="273" r:id="rId14"/>
+    <p:sldId id="279" r:id="rId15"/>
   </p:sldIdLst>
   <p:sldSz cx="12192000" cy="6858000"/>
   <p:notesSz cx="6858000" cy="9144000"/>
@@ -210,7 +210,7 @@
           <a:p>
             <a:fld id="{9434482F-FE80-4FB5-B47D-261F06A57F81}" type="datetimeFigureOut">
               <a:rPr lang="zh-CN" altLang="en-US" smtClean="0"/>
-              <a:t>2023/7/21</a:t>
+              <a:t>2023/7/27</a:t>
             </a:fld>
             <a:endParaRPr lang="zh-CN" altLang="en-US"/>
           </a:p>
@@ -740,7 +740,7 @@
           <a:p>
             <a:fld id="{08FA035D-5F83-4DF7-BABA-C3479DD748DE}" type="slidenum">
               <a:rPr lang="zh-CN" altLang="en-US" smtClean="0"/>
-              <a:t>14</a:t>
+              <a:t>13</a:t>
             </a:fld>
             <a:endParaRPr lang="zh-CN" altLang="en-US"/>
           </a:p>
@@ -749,7 +749,7 @@
     </p:spTree>
     <p:extLst>
       <p:ext uri="{BB962C8B-B14F-4D97-AF65-F5344CB8AC3E}">
-        <p14:creationId xmlns:p14="http://schemas.microsoft.com/office/powerpoint/2010/main" val="3653664654"/>
+        <p14:creationId xmlns:p14="http://schemas.microsoft.com/office/powerpoint/2010/main" val="3722551912"/>
       </p:ext>
     </p:extLst>
   </p:cSld>
@@ -979,7 +979,7 @@
           <a:p>
             <a:r>
               <a:rPr lang="zh-CN" altLang="en-US" dirty="0"/>
-              <a:t>当然，最开始的约束是比较简陋的，生成的路径必然有冲突的。</a:t>
+              <a:t>分为准备阶段和循环阶段。</a:t>
             </a:r>
           </a:p>
         </p:txBody>
@@ -1064,7 +1064,10 @@
           <a:bodyPr/>
           <a:lstStyle/>
           <a:p>
-            <a:endParaRPr lang="zh-CN" altLang="en-US" dirty="0"/>
+            <a:r>
+              <a:rPr lang="zh-CN" altLang="en-US" dirty="0"/>
+              <a:t>为了方便大家理解我用一个具体的例子来讲解。图中是一个迷宫。</a:t>
+            </a:r>
           </a:p>
         </p:txBody>
       </p:sp>
@@ -1094,7 +1097,7 @@
     </p:spTree>
     <p:extLst>
       <p:ext uri="{BB962C8B-B14F-4D97-AF65-F5344CB8AC3E}">
-        <p14:creationId xmlns:p14="http://schemas.microsoft.com/office/powerpoint/2010/main" val="2783797413"/>
+        <p14:creationId xmlns:p14="http://schemas.microsoft.com/office/powerpoint/2010/main" val="1637284750"/>
       </p:ext>
     </p:extLst>
   </p:cSld>
@@ -1169,7 +1172,7 @@
           <a:p>
             <a:fld id="{08FA035D-5F83-4DF7-BABA-C3479DD748DE}" type="slidenum">
               <a:rPr lang="zh-CN" altLang="en-US" smtClean="0"/>
-              <a:t>10</a:t>
+              <a:t>8</a:t>
             </a:fld>
             <a:endParaRPr lang="zh-CN" altLang="en-US"/>
           </a:p>
@@ -1178,7 +1181,7 @@
     </p:spTree>
     <p:extLst>
       <p:ext uri="{BB962C8B-B14F-4D97-AF65-F5344CB8AC3E}">
-        <p14:creationId xmlns:p14="http://schemas.microsoft.com/office/powerpoint/2010/main" val="3925839555"/>
+        <p14:creationId xmlns:p14="http://schemas.microsoft.com/office/powerpoint/2010/main" val="4102348916"/>
       </p:ext>
     </p:extLst>
   </p:cSld>
@@ -1233,736 +1236,9 @@
           <a:lstStyle/>
           <a:p>
             <a:r>
-              <a:rPr lang="zh-CN" altLang="en-US" b="0" i="0" dirty="0">
-                <a:solidFill>
-                  <a:srgbClr val="333333"/>
-                </a:solidFill>
-                <a:effectLst/>
-                <a:latin typeface="Open Sans" panose="020B0606030504020204" pitchFamily="34" charset="0"/>
-              </a:rPr>
-              <a:t>我们用左图的例子来说明，其中左边老鼠</a:t>
-            </a:r>
-            <a:r>
-              <a:rPr lang="en-US" altLang="zh-CN" b="0" i="0" dirty="0">
-                <a:solidFill>
-                  <a:srgbClr val="333333"/>
-                </a:solidFill>
-                <a:effectLst/>
-                <a:latin typeface="Open Sans" panose="020B0606030504020204" pitchFamily="34" charset="0"/>
-              </a:rPr>
-              <a:t>S1</a:t>
-            </a:r>
-            <a:r>
-              <a:rPr lang="zh-CN" altLang="en-US" b="0" i="0" dirty="0">
-                <a:solidFill>
-                  <a:srgbClr val="333333"/>
-                </a:solidFill>
-                <a:effectLst/>
-                <a:latin typeface="Open Sans" panose="020B0606030504020204" pitchFamily="34" charset="0"/>
-              </a:rPr>
-              <a:t>想要达到它的目标奶酪</a:t>
-            </a:r>
-            <a:r>
-              <a:rPr lang="en-US" altLang="zh-CN" b="0" i="0" dirty="0">
-                <a:solidFill>
-                  <a:srgbClr val="333333"/>
-                </a:solidFill>
-                <a:effectLst/>
-                <a:latin typeface="Open Sans" panose="020B0606030504020204" pitchFamily="34" charset="0"/>
-              </a:rPr>
-              <a:t>G1, </a:t>
-            </a:r>
-            <a:r>
-              <a:rPr lang="zh-CN" altLang="en-US" b="0" i="0" dirty="0">
-                <a:solidFill>
-                  <a:srgbClr val="333333"/>
-                </a:solidFill>
-                <a:effectLst/>
-                <a:latin typeface="Open Sans" panose="020B0606030504020204" pitchFamily="34" charset="0"/>
-              </a:rPr>
-              <a:t>右边老鼠</a:t>
-            </a:r>
-            <a:r>
-              <a:rPr lang="en-US" altLang="zh-CN" b="0" i="0" dirty="0">
-                <a:solidFill>
-                  <a:srgbClr val="333333"/>
-                </a:solidFill>
-                <a:effectLst/>
-                <a:latin typeface="Open Sans" panose="020B0606030504020204" pitchFamily="34" charset="0"/>
-              </a:rPr>
-              <a:t>S2</a:t>
-            </a:r>
-            <a:r>
-              <a:rPr lang="zh-CN" altLang="en-US" b="0" i="0" dirty="0">
-                <a:solidFill>
-                  <a:srgbClr val="333333"/>
-                </a:solidFill>
-                <a:effectLst/>
-                <a:latin typeface="Open Sans" panose="020B0606030504020204" pitchFamily="34" charset="0"/>
-              </a:rPr>
-              <a:t>想到到达目标奶酪</a:t>
-            </a:r>
-            <a:r>
-              <a:rPr lang="en-US" altLang="zh-CN" b="0" i="0" dirty="0">
-                <a:solidFill>
-                  <a:srgbClr val="333333"/>
-                </a:solidFill>
-                <a:effectLst/>
-                <a:latin typeface="Open Sans" panose="020B0606030504020204" pitchFamily="34" charset="0"/>
-              </a:rPr>
-              <a:t>G2</a:t>
-            </a:r>
-            <a:r>
-              <a:rPr lang="zh-CN" altLang="en-US" b="0" i="0" dirty="0">
-                <a:solidFill>
-                  <a:srgbClr val="333333"/>
-                </a:solidFill>
-                <a:effectLst/>
-                <a:latin typeface="Open Sans" panose="020B0606030504020204" pitchFamily="34" charset="0"/>
-              </a:rPr>
-              <a:t>。相应的</a:t>
-            </a:r>
-            <a:r>
-              <a:rPr lang="en-US" altLang="zh-CN" b="0" i="0" dirty="0">
-                <a:solidFill>
-                  <a:srgbClr val="333333"/>
-                </a:solidFill>
-                <a:effectLst/>
-                <a:latin typeface="Open Sans" panose="020B0606030504020204" pitchFamily="34" charset="0"/>
-              </a:rPr>
-              <a:t>CT</a:t>
-            </a:r>
-            <a:r>
-              <a:rPr lang="zh-CN" altLang="en-US" b="0" i="0" dirty="0">
-                <a:solidFill>
-                  <a:srgbClr val="333333"/>
-                </a:solidFill>
-                <a:effectLst/>
-                <a:latin typeface="Open Sans" panose="020B0606030504020204" pitchFamily="34" charset="0"/>
-              </a:rPr>
-              <a:t>如中图所示。根节点的约束集合为空。低层现在为每个智能体返回一个最优路径（算法</a:t>
-            </a:r>
-            <a:r>
-              <a:rPr lang="en-US" altLang="zh-CN" b="0" i="0" dirty="0">
-                <a:solidFill>
-                  <a:srgbClr val="333333"/>
-                </a:solidFill>
-                <a:effectLst/>
-                <a:latin typeface="Open Sans" panose="020B0606030504020204" pitchFamily="34" charset="0"/>
-              </a:rPr>
-              <a:t>1</a:t>
-            </a:r>
-            <a:r>
-              <a:rPr lang="zh-CN" altLang="en-US" b="0" i="0" dirty="0">
-                <a:solidFill>
-                  <a:srgbClr val="333333"/>
-                </a:solidFill>
-                <a:effectLst/>
-                <a:latin typeface="Open Sans" panose="020B0606030504020204" pitchFamily="34" charset="0"/>
-              </a:rPr>
-              <a:t>的第</a:t>
-            </a:r>
-            <a:r>
-              <a:rPr lang="en-US" altLang="zh-CN" b="0" i="0" dirty="0">
-                <a:solidFill>
-                  <a:srgbClr val="333333"/>
-                </a:solidFill>
-                <a:effectLst/>
-                <a:latin typeface="Open Sans" panose="020B0606030504020204" pitchFamily="34" charset="0"/>
-              </a:rPr>
-              <a:t>2</a:t>
-            </a:r>
-            <a:r>
-              <a:rPr lang="zh-CN" altLang="en-US" b="0" i="0" dirty="0">
-                <a:solidFill>
-                  <a:srgbClr val="333333"/>
-                </a:solidFill>
-                <a:effectLst/>
-                <a:latin typeface="Open Sans" panose="020B0606030504020204" pitchFamily="34" charset="0"/>
-              </a:rPr>
-              <a:t>行），对于</a:t>
-            </a:r>
-            <a:r>
-              <a:rPr lang="en-US" altLang="zh-CN" b="0" i="0" dirty="0">
-                <a:solidFill>
-                  <a:srgbClr val="333333"/>
-                </a:solidFill>
-                <a:effectLst/>
-                <a:latin typeface="Open Sans" panose="020B0606030504020204" pitchFamily="34" charset="0"/>
-              </a:rPr>
-              <a:t>a1</a:t>
-            </a:r>
-            <a:r>
-              <a:rPr lang="zh-CN" altLang="en-US" b="0" i="0" dirty="0">
-                <a:solidFill>
-                  <a:srgbClr val="333333"/>
-                </a:solidFill>
-                <a:effectLst/>
-                <a:latin typeface="Open Sans" panose="020B0606030504020204" pitchFamily="34" charset="0"/>
-              </a:rPr>
-              <a:t>是</a:t>
-            </a:r>
-            <a:r>
-              <a:rPr lang="en-US" altLang="zh-CN" b="0" i="0" dirty="0">
-                <a:solidFill>
-                  <a:srgbClr val="333333"/>
-                </a:solidFill>
-                <a:effectLst/>
-                <a:latin typeface="Open Sans" panose="020B0606030504020204" pitchFamily="34" charset="0"/>
-              </a:rPr>
-              <a:t>&lt; S1, A1, C, G1 &gt;</a:t>
-            </a:r>
-            <a:r>
-              <a:rPr lang="zh-CN" altLang="en-US" b="0" i="0" dirty="0">
-                <a:solidFill>
-                  <a:srgbClr val="333333"/>
-                </a:solidFill>
-                <a:effectLst/>
-                <a:latin typeface="Open Sans" panose="020B0606030504020204" pitchFamily="34" charset="0"/>
-              </a:rPr>
-              <a:t>，对于</a:t>
-            </a:r>
-            <a:r>
-              <a:rPr lang="en-US" altLang="zh-CN" b="0" i="0" dirty="0">
-                <a:solidFill>
-                  <a:srgbClr val="333333"/>
-                </a:solidFill>
-                <a:effectLst/>
-                <a:latin typeface="Open Sans" panose="020B0606030504020204" pitchFamily="34" charset="0"/>
-              </a:rPr>
-              <a:t>a2</a:t>
-            </a:r>
-            <a:r>
-              <a:rPr lang="zh-CN" altLang="en-US" b="0" i="0" dirty="0">
-                <a:solidFill>
-                  <a:srgbClr val="333333"/>
-                </a:solidFill>
-                <a:effectLst/>
-                <a:latin typeface="Open Sans" panose="020B0606030504020204" pitchFamily="34" charset="0"/>
-              </a:rPr>
-              <a:t>是</a:t>
-            </a:r>
-            <a:r>
-              <a:rPr lang="en-US" altLang="zh-CN" b="0" i="0" dirty="0">
-                <a:solidFill>
-                  <a:srgbClr val="333333"/>
-                </a:solidFill>
-                <a:effectLst/>
-                <a:latin typeface="Open Sans" panose="020B0606030504020204" pitchFamily="34" charset="0"/>
-              </a:rPr>
-              <a:t>&lt; S2, B1, C, G2 &gt;</a:t>
-            </a:r>
-            <a:r>
-              <a:rPr lang="zh-CN" altLang="en-US" b="0" i="0" dirty="0">
-                <a:solidFill>
-                  <a:srgbClr val="333333"/>
-                </a:solidFill>
-                <a:effectLst/>
-                <a:latin typeface="Open Sans" panose="020B0606030504020204" pitchFamily="34" charset="0"/>
-              </a:rPr>
-              <a:t>。因此，这个节点的总代价是</a:t>
-            </a:r>
-            <a:r>
-              <a:rPr lang="en-US" altLang="zh-CN" b="0" i="0" dirty="0">
-                <a:solidFill>
-                  <a:srgbClr val="333333"/>
-                </a:solidFill>
-                <a:effectLst/>
-                <a:latin typeface="Open Sans" panose="020B0606030504020204" pitchFamily="34" charset="0"/>
-              </a:rPr>
-              <a:t>6</a:t>
-            </a:r>
-            <a:r>
-              <a:rPr lang="zh-CN" altLang="en-US" b="0" i="0" dirty="0">
-                <a:solidFill>
-                  <a:srgbClr val="333333"/>
-                </a:solidFill>
-                <a:effectLst/>
-                <a:latin typeface="Open Sans" panose="020B0606030504020204" pitchFamily="34" charset="0"/>
-              </a:rPr>
-              <a:t>。所有这些信息都保存在这个节点中。根节点然后被插入到</a:t>
-            </a:r>
-            <a:r>
-              <a:rPr lang="en-US" altLang="zh-CN" b="0" i="0" dirty="0">
-                <a:solidFill>
-                  <a:srgbClr val="333333"/>
-                </a:solidFill>
-                <a:effectLst/>
-                <a:latin typeface="Open Sans" panose="020B0606030504020204" pitchFamily="34" charset="0"/>
-              </a:rPr>
-              <a:t>OPEN</a:t>
-            </a:r>
-            <a:r>
-              <a:rPr lang="zh-CN" altLang="en-US" b="0" i="0" dirty="0">
-                <a:solidFill>
-                  <a:srgbClr val="333333"/>
-                </a:solidFill>
-                <a:effectLst/>
-                <a:latin typeface="Open Sans" panose="020B0606030504020204" pitchFamily="34" charset="0"/>
-              </a:rPr>
-              <a:t>列表中，并将被下一个扩展。</a:t>
-            </a:r>
-            <a:endParaRPr lang="en-US" altLang="zh-CN" b="0" i="0" dirty="0">
-              <a:solidFill>
-                <a:srgbClr val="333333"/>
-              </a:solidFill>
-              <a:effectLst/>
-              <a:latin typeface="Open Sans" panose="020B0606030504020204" pitchFamily="34" charset="0"/>
-            </a:endParaRPr>
-          </a:p>
-          <a:p>
-            <a:endParaRPr lang="en-US" altLang="zh-CN" b="0" i="0" dirty="0">
-              <a:solidFill>
-                <a:srgbClr val="333333"/>
-              </a:solidFill>
-              <a:effectLst/>
-              <a:latin typeface="Open Sans" panose="020B0606030504020204" pitchFamily="34" charset="0"/>
-            </a:endParaRPr>
-          </a:p>
-          <a:p>
-            <a:r>
-              <a:rPr lang="zh-CN" altLang="en-US" b="0" i="0" dirty="0">
-                <a:solidFill>
-                  <a:srgbClr val="333333"/>
-                </a:solidFill>
-                <a:effectLst/>
-                <a:latin typeface="Open Sans" panose="020B0606030504020204" pitchFamily="34" charset="0"/>
-              </a:rPr>
-              <a:t>当检查两个智能体的路径是否冲突时（第</a:t>
-            </a:r>
-            <a:r>
-              <a:rPr lang="en-US" altLang="zh-CN" b="0" i="0" dirty="0">
-                <a:solidFill>
-                  <a:srgbClr val="333333"/>
-                </a:solidFill>
-                <a:effectLst/>
-                <a:latin typeface="Open Sans" panose="020B0606030504020204" pitchFamily="34" charset="0"/>
-              </a:rPr>
-              <a:t>7</a:t>
-            </a:r>
-            <a:r>
-              <a:rPr lang="zh-CN" altLang="en-US" b="0" i="0" dirty="0">
-                <a:solidFill>
-                  <a:srgbClr val="333333"/>
-                </a:solidFill>
-                <a:effectLst/>
-                <a:latin typeface="Open Sans" panose="020B0606030504020204" pitchFamily="34" charset="0"/>
-              </a:rPr>
-              <a:t>行），发现了一个冲突，当两个智能体在时间步</a:t>
-            </a:r>
-            <a:r>
-              <a:rPr lang="en-US" altLang="zh-CN" b="0" i="0" dirty="0">
-                <a:solidFill>
-                  <a:srgbClr val="333333"/>
-                </a:solidFill>
-                <a:effectLst/>
-                <a:latin typeface="Open Sans" panose="020B0606030504020204" pitchFamily="34" charset="0"/>
-              </a:rPr>
-              <a:t>2</a:t>
-            </a:r>
-            <a:r>
-              <a:rPr lang="zh-CN" altLang="en-US" b="0" i="0" dirty="0">
-                <a:solidFill>
-                  <a:srgbClr val="333333"/>
-                </a:solidFill>
-                <a:effectLst/>
-                <a:latin typeface="Open Sans" panose="020B0606030504020204" pitchFamily="34" charset="0"/>
-              </a:rPr>
-              <a:t>到达顶点</a:t>
-            </a:r>
-            <a:r>
-              <a:rPr lang="en-US" altLang="zh-CN" b="0" i="0" dirty="0">
-                <a:solidFill>
-                  <a:srgbClr val="333333"/>
-                </a:solidFill>
-                <a:effectLst/>
-                <a:latin typeface="Open Sans" panose="020B0606030504020204" pitchFamily="34" charset="0"/>
-              </a:rPr>
-              <a:t>C</a:t>
-            </a:r>
-            <a:r>
-              <a:rPr lang="zh-CN" altLang="en-US" b="0" i="0" dirty="0">
-                <a:solidFill>
-                  <a:srgbClr val="333333"/>
-                </a:solidFill>
-                <a:effectLst/>
-                <a:latin typeface="Open Sans" panose="020B0606030504020204" pitchFamily="34" charset="0"/>
-              </a:rPr>
-              <a:t>时。这产生了冲突</a:t>
-            </a:r>
-            <a:r>
-              <a:rPr lang="en-US" altLang="zh-CN" b="0" i="0" dirty="0">
-                <a:solidFill>
-                  <a:srgbClr val="333333"/>
-                </a:solidFill>
-                <a:effectLst/>
-                <a:latin typeface="Open Sans" panose="020B0606030504020204" pitchFamily="34" charset="0"/>
-              </a:rPr>
-              <a:t>(a1, a2, C, 2)</a:t>
-            </a:r>
-            <a:r>
-              <a:rPr lang="zh-CN" altLang="en-US" b="0" i="0" dirty="0">
-                <a:solidFill>
-                  <a:srgbClr val="333333"/>
-                </a:solidFill>
-                <a:effectLst/>
-                <a:latin typeface="Open Sans" panose="020B0606030504020204" pitchFamily="34" charset="0"/>
-              </a:rPr>
-              <a:t>。因此，根节点被声明为非目标节点，并生成两个子节点来解决冲突（第</a:t>
-            </a:r>
-            <a:r>
-              <a:rPr lang="en-US" altLang="zh-CN" b="0" i="0" dirty="0">
-                <a:solidFill>
-                  <a:srgbClr val="333333"/>
-                </a:solidFill>
-                <a:effectLst/>
-                <a:latin typeface="Open Sans" panose="020B0606030504020204" pitchFamily="34" charset="0"/>
-              </a:rPr>
-              <a:t>11</a:t>
-            </a:r>
-            <a:r>
-              <a:rPr lang="zh-CN" altLang="en-US" b="0" i="0" dirty="0">
-                <a:solidFill>
-                  <a:srgbClr val="333333"/>
-                </a:solidFill>
-                <a:effectLst/>
-                <a:latin typeface="Open Sans" panose="020B0606030504020204" pitchFamily="34" charset="0"/>
-              </a:rPr>
-              <a:t>行）。我们从直观上看为了解决冲突，要么是左边这只老鼠发扬谦让的传统美德，等待右边老鼠先过去；要么是右边这只老鼠发挥骑士风度，让左边这只老鼠先通过。这就对应两种情况。左边老鼠谦让的话，就是左子节点添加了约束</a:t>
-            </a:r>
-            <a:r>
-              <a:rPr lang="en-US" altLang="zh-CN" b="0" i="0" dirty="0">
-                <a:solidFill>
-                  <a:srgbClr val="333333"/>
-                </a:solidFill>
-                <a:effectLst/>
-                <a:latin typeface="Open Sans" panose="020B0606030504020204" pitchFamily="34" charset="0"/>
-              </a:rPr>
-              <a:t>(a1, C, 2)</a:t>
-            </a:r>
-            <a:r>
-              <a:rPr lang="zh-CN" altLang="en-US" b="0" i="0" dirty="0">
-                <a:solidFill>
-                  <a:srgbClr val="333333"/>
-                </a:solidFill>
-                <a:effectLst/>
-                <a:latin typeface="Open Sans" panose="020B0606030504020204" pitchFamily="34" charset="0"/>
-              </a:rPr>
-              <a:t>；右边老鼠发扬风格的话，就是右子节点添加了约束</a:t>
-            </a:r>
-            <a:r>
-              <a:rPr lang="en-US" altLang="zh-CN" b="0" i="0" dirty="0">
-                <a:solidFill>
-                  <a:srgbClr val="333333"/>
-                </a:solidFill>
-                <a:effectLst/>
-                <a:latin typeface="Open Sans" panose="020B0606030504020204" pitchFamily="34" charset="0"/>
-              </a:rPr>
-              <a:t>(a2, C, 2)</a:t>
-            </a:r>
-            <a:r>
-              <a:rPr lang="zh-CN" altLang="en-US" b="0" i="0" dirty="0">
-                <a:solidFill>
-                  <a:srgbClr val="333333"/>
-                </a:solidFill>
-                <a:effectLst/>
-                <a:latin typeface="Open Sans" panose="020B0606030504020204" pitchFamily="34" charset="0"/>
-              </a:rPr>
-              <a:t>；我们就把这两种情况都考虑进去了。现在调用低层搜索（第</a:t>
-            </a:r>
-            <a:r>
-              <a:rPr lang="en-US" altLang="zh-CN" b="0" i="0" dirty="0">
-                <a:solidFill>
-                  <a:srgbClr val="333333"/>
-                </a:solidFill>
-                <a:effectLst/>
-                <a:latin typeface="Open Sans" panose="020B0606030504020204" pitchFamily="34" charset="0"/>
-              </a:rPr>
-              <a:t>15</a:t>
-            </a:r>
-            <a:r>
-              <a:rPr lang="zh-CN" altLang="en-US" b="0" i="0" dirty="0">
-                <a:solidFill>
-                  <a:srgbClr val="333333"/>
-                </a:solidFill>
-                <a:effectLst/>
-                <a:latin typeface="Open Sans" panose="020B0606030504020204" pitchFamily="34" charset="0"/>
-              </a:rPr>
-              <a:t>行），找到一个满足新约束的最优路径。对于左子节点，</a:t>
-            </a:r>
-            <a:r>
-              <a:rPr lang="en-US" altLang="zh-CN" b="0" i="0" dirty="0">
-                <a:solidFill>
-                  <a:srgbClr val="333333"/>
-                </a:solidFill>
-                <a:effectLst/>
-                <a:latin typeface="Open Sans" panose="020B0606030504020204" pitchFamily="34" charset="0"/>
-              </a:rPr>
-              <a:t>a1</a:t>
-            </a:r>
-            <a:r>
-              <a:rPr lang="zh-CN" altLang="en-US" b="0" i="0" dirty="0">
-                <a:solidFill>
-                  <a:srgbClr val="333333"/>
-                </a:solidFill>
-                <a:effectLst/>
-                <a:latin typeface="Open Sans" panose="020B0606030504020204" pitchFamily="34" charset="0"/>
-              </a:rPr>
-              <a:t>必须等待一步，要么在</a:t>
-            </a:r>
-            <a:r>
-              <a:rPr lang="en-US" altLang="zh-CN" b="0" i="0" dirty="0">
-                <a:solidFill>
-                  <a:srgbClr val="333333"/>
-                </a:solidFill>
-                <a:effectLst/>
-                <a:latin typeface="Open Sans" panose="020B0606030504020204" pitchFamily="34" charset="0"/>
-              </a:rPr>
-              <a:t>S1</a:t>
-            </a:r>
-            <a:r>
-              <a:rPr lang="zh-CN" altLang="en-US" b="0" i="0" dirty="0">
-                <a:solidFill>
-                  <a:srgbClr val="333333"/>
-                </a:solidFill>
-                <a:effectLst/>
-                <a:latin typeface="Open Sans" panose="020B0606030504020204" pitchFamily="34" charset="0"/>
-              </a:rPr>
-              <a:t>（或</a:t>
-            </a:r>
-            <a:r>
-              <a:rPr lang="en-US" altLang="zh-CN" b="0" i="0" dirty="0">
-                <a:solidFill>
-                  <a:srgbClr val="333333"/>
-                </a:solidFill>
-                <a:effectLst/>
-                <a:latin typeface="Open Sans" panose="020B0606030504020204" pitchFamily="34" charset="0"/>
-              </a:rPr>
-              <a:t>A1</a:t>
-            </a:r>
-            <a:r>
-              <a:rPr lang="zh-CN" altLang="en-US" b="0" i="0" dirty="0">
-                <a:solidFill>
-                  <a:srgbClr val="333333"/>
-                </a:solidFill>
-                <a:effectLst/>
-                <a:latin typeface="Open Sans" panose="020B0606030504020204" pitchFamily="34" charset="0"/>
-              </a:rPr>
-              <a:t>），路径</a:t>
-            </a:r>
-            <a:r>
-              <a:rPr lang="en-US" altLang="zh-CN" b="0" i="0" dirty="0">
-                <a:solidFill>
-                  <a:srgbClr val="333333"/>
-                </a:solidFill>
-                <a:effectLst/>
-                <a:latin typeface="Open Sans" panose="020B0606030504020204" pitchFamily="34" charset="0"/>
-              </a:rPr>
-              <a:t>&lt; S1, A1, A1, C, G1 &gt;</a:t>
-            </a:r>
-            <a:r>
-              <a:rPr lang="zh-CN" altLang="en-US" b="0" i="0" dirty="0">
-                <a:solidFill>
-                  <a:srgbClr val="333333"/>
-                </a:solidFill>
-                <a:effectLst/>
-                <a:latin typeface="Open Sans" panose="020B0606030504020204" pitchFamily="34" charset="0"/>
-              </a:rPr>
-              <a:t>被返回给</a:t>
-            </a:r>
-            <a:r>
-              <a:rPr lang="en-US" altLang="zh-CN" b="0" i="0" dirty="0">
-                <a:solidFill>
-                  <a:srgbClr val="333333"/>
-                </a:solidFill>
-                <a:effectLst/>
-                <a:latin typeface="Open Sans" panose="020B0606030504020204" pitchFamily="34" charset="0"/>
-              </a:rPr>
-              <a:t>a1</a:t>
-            </a:r>
-            <a:r>
-              <a:rPr lang="zh-CN" altLang="en-US" b="0" i="0" dirty="0">
-                <a:solidFill>
-                  <a:srgbClr val="333333"/>
-                </a:solidFill>
-                <a:effectLst/>
-                <a:latin typeface="Open Sans" panose="020B0606030504020204" pitchFamily="34" charset="0"/>
-              </a:rPr>
-              <a:t>。</a:t>
-            </a:r>
-            <a:r>
-              <a:rPr lang="en-US" altLang="zh-CN" b="0" i="0" dirty="0">
-                <a:solidFill>
-                  <a:srgbClr val="333333"/>
-                </a:solidFill>
-                <a:effectLst/>
-                <a:latin typeface="Open Sans" panose="020B0606030504020204" pitchFamily="34" charset="0"/>
-              </a:rPr>
-              <a:t>a2</a:t>
-            </a:r>
-            <a:r>
-              <a:rPr lang="zh-CN" altLang="en-US" b="0" i="0" dirty="0">
-                <a:solidFill>
-                  <a:srgbClr val="333333"/>
-                </a:solidFill>
-                <a:effectLst/>
-                <a:latin typeface="Open Sans" panose="020B0606030504020204" pitchFamily="34" charset="0"/>
-              </a:rPr>
-              <a:t>的路径</a:t>
-            </a:r>
-            <a:r>
-              <a:rPr lang="en-US" altLang="zh-CN" b="0" i="0" dirty="0">
-                <a:solidFill>
-                  <a:srgbClr val="333333"/>
-                </a:solidFill>
-                <a:effectLst/>
-                <a:latin typeface="Open Sans" panose="020B0606030504020204" pitchFamily="34" charset="0"/>
-              </a:rPr>
-              <a:t>&lt; S2, B1, C, G2 &gt;</a:t>
-            </a:r>
-            <a:r>
-              <a:rPr lang="zh-CN" altLang="en-US" b="0" i="0" dirty="0">
-                <a:solidFill>
-                  <a:srgbClr val="333333"/>
-                </a:solidFill>
-                <a:effectLst/>
-                <a:latin typeface="Open Sans" panose="020B0606030504020204" pitchFamily="34" charset="0"/>
-              </a:rPr>
-              <a:t>对于左子节点保持不变。左子节点的总代价现在是</a:t>
-            </a:r>
-            <a:r>
-              <a:rPr lang="en-US" altLang="zh-CN" b="0" i="0" dirty="0">
-                <a:solidFill>
-                  <a:srgbClr val="333333"/>
-                </a:solidFill>
-                <a:effectLst/>
-                <a:latin typeface="Open Sans" panose="020B0606030504020204" pitchFamily="34" charset="0"/>
-              </a:rPr>
-              <a:t>7</a:t>
-            </a:r>
-            <a:r>
-              <a:rPr lang="zh-CN" altLang="en-US" b="0" i="0" dirty="0">
-                <a:solidFill>
-                  <a:srgbClr val="333333"/>
-                </a:solidFill>
-                <a:effectLst/>
-                <a:latin typeface="Open Sans" panose="020B0606030504020204" pitchFamily="34" charset="0"/>
-              </a:rPr>
-              <a:t>（</a:t>
-            </a:r>
-            <a:r>
-              <a:rPr lang="en-US" altLang="zh-CN" b="0" i="0" dirty="0">
-                <a:solidFill>
-                  <a:srgbClr val="333333"/>
-                </a:solidFill>
-                <a:effectLst/>
-                <a:latin typeface="Open Sans" panose="020B0606030504020204" pitchFamily="34" charset="0"/>
-              </a:rPr>
-              <a:t>=4+3</a:t>
-            </a:r>
-            <a:r>
-              <a:rPr lang="zh-CN" altLang="en-US" b="0" i="0" dirty="0">
-                <a:solidFill>
-                  <a:srgbClr val="333333"/>
-                </a:solidFill>
-                <a:effectLst/>
-                <a:latin typeface="Open Sans" panose="020B0606030504020204" pitchFamily="34" charset="0"/>
-              </a:rPr>
-              <a:t>）。以类似的方式，生成右子节点，也是代价</a:t>
-            </a:r>
-            <a:r>
-              <a:rPr lang="en-US" altLang="zh-CN" b="0" i="0" dirty="0">
-                <a:solidFill>
-                  <a:srgbClr val="333333"/>
-                </a:solidFill>
-                <a:effectLst/>
-                <a:latin typeface="Open Sans" panose="020B0606030504020204" pitchFamily="34" charset="0"/>
-              </a:rPr>
-              <a:t>7</a:t>
-            </a:r>
-            <a:r>
-              <a:rPr lang="zh-CN" altLang="en-US" b="0" i="0" dirty="0">
-                <a:solidFill>
-                  <a:srgbClr val="333333"/>
-                </a:solidFill>
-                <a:effectLst/>
-                <a:latin typeface="Open Sans" panose="020B0606030504020204" pitchFamily="34" charset="0"/>
-              </a:rPr>
-              <a:t>。两个子节点都被加入到</a:t>
-            </a:r>
-            <a:r>
-              <a:rPr lang="en-US" altLang="zh-CN" b="0" i="0" dirty="0">
-                <a:solidFill>
-                  <a:srgbClr val="333333"/>
-                </a:solidFill>
-                <a:effectLst/>
-                <a:latin typeface="Open Sans" panose="020B0606030504020204" pitchFamily="34" charset="0"/>
-              </a:rPr>
-              <a:t>OPEN</a:t>
-            </a:r>
-            <a:r>
-              <a:rPr lang="zh-CN" altLang="en-US" b="0" i="0" dirty="0">
-                <a:solidFill>
-                  <a:srgbClr val="333333"/>
-                </a:solidFill>
-                <a:effectLst/>
-                <a:latin typeface="Open Sans" panose="020B0606030504020204" pitchFamily="34" charset="0"/>
-              </a:rPr>
-              <a:t>中（第</a:t>
-            </a:r>
-            <a:r>
-              <a:rPr lang="en-US" altLang="zh-CN" b="0" i="0" dirty="0">
-                <a:solidFill>
-                  <a:srgbClr val="333333"/>
-                </a:solidFill>
-                <a:effectLst/>
-                <a:latin typeface="Open Sans" panose="020B0606030504020204" pitchFamily="34" charset="0"/>
-              </a:rPr>
-              <a:t>17</a:t>
-            </a:r>
-            <a:r>
-              <a:rPr lang="zh-CN" altLang="en-US" b="0" i="0" dirty="0">
-                <a:solidFill>
-                  <a:srgbClr val="333333"/>
-                </a:solidFill>
-                <a:effectLst/>
-                <a:latin typeface="Open Sans" panose="020B0606030504020204" pitchFamily="34" charset="0"/>
-              </a:rPr>
-              <a:t>行）。在最后一步，左子节点被选择扩展，并检查路径是否冲突。由于没有冲突，左子节点被声明为目标节点（第</a:t>
-            </a:r>
-            <a:r>
-              <a:rPr lang="en-US" altLang="zh-CN" b="0" i="0" dirty="0">
-                <a:solidFill>
-                  <a:srgbClr val="333333"/>
-                </a:solidFill>
-                <a:effectLst/>
-                <a:latin typeface="Open Sans" panose="020B0606030504020204" pitchFamily="34" charset="0"/>
-              </a:rPr>
-              <a:t>9</a:t>
-            </a:r>
-            <a:r>
-              <a:rPr lang="zh-CN" altLang="en-US" b="0" i="0" dirty="0">
-                <a:solidFill>
-                  <a:srgbClr val="333333"/>
-                </a:solidFill>
-                <a:effectLst/>
-                <a:latin typeface="Open Sans" panose="020B0606030504020204" pitchFamily="34" charset="0"/>
-              </a:rPr>
-              <a:t>行），并返回它的解决方案作为最优解。</a:t>
-            </a:r>
-            <a:endParaRPr lang="en-US" altLang="zh-CN" b="0" i="0" dirty="0">
-              <a:solidFill>
-                <a:srgbClr val="333333"/>
-              </a:solidFill>
-              <a:effectLst/>
-              <a:latin typeface="Open Sans" panose="020B0606030504020204" pitchFamily="34" charset="0"/>
-            </a:endParaRPr>
-          </a:p>
-          <a:p>
-            <a:endParaRPr lang="en-US" altLang="zh-CN" dirty="0"/>
-          </a:p>
-          <a:p>
-            <a:endParaRPr lang="zh-CN" altLang="en-US" dirty="0"/>
+              <a:rPr lang="zh-CN" altLang="en-US" dirty="0"/>
+              <a:t>计算经过当前节点到达邻居花费的最短路径，如果小于邻居记录的最短路径就更新。</a:t>
+            </a:r>
           </a:p>
         </p:txBody>
       </p:sp>
@@ -1983,7 +1259,7 @@
           <a:p>
             <a:fld id="{08FA035D-5F83-4DF7-BABA-C3479DD748DE}" type="slidenum">
               <a:rPr lang="zh-CN" altLang="en-US" smtClean="0"/>
-              <a:t>11</a:t>
+              <a:t>10</a:t>
             </a:fld>
             <a:endParaRPr lang="zh-CN" altLang="en-US"/>
           </a:p>
@@ -1992,7 +1268,7 @@
     </p:spTree>
     <p:extLst>
       <p:ext uri="{BB962C8B-B14F-4D97-AF65-F5344CB8AC3E}">
-        <p14:creationId xmlns:p14="http://schemas.microsoft.com/office/powerpoint/2010/main" val="670275084"/>
+        <p14:creationId xmlns:p14="http://schemas.microsoft.com/office/powerpoint/2010/main" val="2218460185"/>
       </p:ext>
     </p:extLst>
   </p:cSld>
@@ -2046,131 +1322,10 @@
           <a:bodyPr/>
           <a:lstStyle/>
           <a:p>
-            <a:pPr marL="0" marR="0" lvl="0" indent="0" algn="l" defTabSz="914400" rtl="0" eaLnBrk="1" fontAlgn="auto" latinLnBrk="0" hangingPunct="1">
-              <a:lnSpc>
-                <a:spcPct val="100000"/>
-              </a:lnSpc>
-              <a:spcBef>
-                <a:spcPts val="0"/>
-              </a:spcBef>
-              <a:spcAft>
-                <a:spcPts val="0"/>
-              </a:spcAft>
-              <a:buClrTx/>
-              <a:buSzTx/>
-              <a:buFontTx/>
-              <a:buNone/>
-              <a:tabLst/>
-              <a:defRPr/>
-            </a:pPr>
-            <a:r>
-              <a:rPr lang="en-US" altLang="zh-CN" dirty="0"/>
-              <a:t>k &gt; 2</a:t>
-            </a:r>
             <a:r>
               <a:rPr lang="zh-CN" altLang="en-US" dirty="0"/>
-              <a:t>个代理的冲突。当冲突的智能体数量</a:t>
-            </a:r>
-            <a:r>
-              <a:rPr lang="en-US" altLang="zh-CN" dirty="0"/>
-              <a:t>&gt;2</a:t>
-            </a:r>
-            <a:r>
-              <a:rPr lang="zh-CN" altLang="en-US" dirty="0"/>
-              <a:t>时，有两种方法可以处理这样的</a:t>
-            </a:r>
-            <a:r>
-              <a:rPr lang="en-US" altLang="zh-CN" dirty="0"/>
-              <a:t>k</a:t>
-            </a:r>
-            <a:r>
-              <a:rPr lang="zh-CN" altLang="en-US" dirty="0"/>
-              <a:t>个代理的冲突。</a:t>
-            </a:r>
-            <a:endParaRPr lang="en-US" altLang="zh-CN" dirty="0"/>
-          </a:p>
-          <a:p>
-            <a:pPr marL="0" marR="0" lvl="0" indent="0" algn="l" defTabSz="914400" rtl="0" eaLnBrk="1" fontAlgn="auto" latinLnBrk="0" hangingPunct="1">
-              <a:lnSpc>
-                <a:spcPct val="100000"/>
-              </a:lnSpc>
-              <a:spcBef>
-                <a:spcPts val="0"/>
-              </a:spcBef>
-              <a:spcAft>
-                <a:spcPts val="0"/>
-              </a:spcAft>
-              <a:buClrTx/>
-              <a:buSzTx/>
-              <a:buFontTx/>
-              <a:buNone/>
-              <a:tabLst/>
-              <a:defRPr/>
-            </a:pPr>
-            <a:r>
-              <a:rPr lang="zh-CN" altLang="en-US" dirty="0"/>
-              <a:t>第一个方法，我们可以生成</a:t>
-            </a:r>
-            <a:r>
-              <a:rPr lang="en-US" altLang="zh-CN" dirty="0"/>
-              <a:t>k</a:t>
-            </a:r>
-            <a:r>
-              <a:rPr lang="zh-CN" altLang="en-US" dirty="0"/>
-              <a:t>个子节点，每个子节点对</a:t>
-            </a:r>
-            <a:r>
-              <a:rPr lang="en-US" altLang="zh-CN" dirty="0"/>
-              <a:t>k - 1</a:t>
-            </a:r>
-            <a:r>
-              <a:rPr lang="zh-CN" altLang="en-US" dirty="0"/>
-              <a:t>个智能体添加一个约束（即，每个子节点只允许一个智能体在时间</a:t>
-            </a:r>
-            <a:r>
-              <a:rPr lang="en-US" altLang="zh-CN" dirty="0"/>
-              <a:t>t</a:t>
-            </a:r>
-            <a:r>
-              <a:rPr lang="zh-CN" altLang="en-US" dirty="0"/>
-              <a:t>占据冲突的顶点</a:t>
-            </a:r>
-            <a:r>
-              <a:rPr lang="en-US" altLang="zh-CN" dirty="0"/>
-              <a:t>v</a:t>
-            </a:r>
-            <a:r>
-              <a:rPr lang="zh-CN" altLang="en-US" dirty="0"/>
-              <a:t>）。</a:t>
-            </a:r>
-            <a:endParaRPr lang="en-US" altLang="zh-CN" dirty="0"/>
-          </a:p>
-          <a:p>
-            <a:pPr marL="0" marR="0" lvl="0" indent="0" algn="l" defTabSz="914400" rtl="0" eaLnBrk="1" fontAlgn="auto" latinLnBrk="0" hangingPunct="1">
-              <a:lnSpc>
-                <a:spcPct val="100000"/>
-              </a:lnSpc>
-              <a:spcBef>
-                <a:spcPts val="0"/>
-              </a:spcBef>
-              <a:spcAft>
-                <a:spcPts val="0"/>
-              </a:spcAft>
-              <a:buClrTx/>
-              <a:buSzTx/>
-              <a:buFontTx/>
-              <a:buNone/>
-              <a:tabLst/>
-              <a:defRPr/>
-            </a:pPr>
-            <a:r>
-              <a:rPr lang="zh-CN" altLang="en-US" dirty="0"/>
-              <a:t>第二个方法，只关注发现冲突的前两个智能体，并根据它们的冲突进行分支。这样就把剩余的冲突留给树的更深层去解决。作者采取的是第二种方法。当然这两种方法复杂度是等价的。</a:t>
-            </a:r>
-            <a:endParaRPr lang="en-US" altLang="zh-CN" dirty="0"/>
-          </a:p>
-          <a:p>
-            <a:endParaRPr lang="zh-CN" altLang="en-US" dirty="0"/>
+              <a:t>其他节点依此类推。</a:t>
+            </a:r>
           </a:p>
         </p:txBody>
       </p:sp>
@@ -2191,7 +1346,7 @@
           <a:p>
             <a:fld id="{08FA035D-5F83-4DF7-BABA-C3479DD748DE}" type="slidenum">
               <a:rPr lang="zh-CN" altLang="en-US" smtClean="0"/>
-              <a:t>12</a:t>
+              <a:t>11</a:t>
             </a:fld>
             <a:endParaRPr lang="zh-CN" altLang="en-US"/>
           </a:p>
@@ -2200,7 +1355,7 @@
     </p:spTree>
     <p:extLst>
       <p:ext uri="{BB962C8B-B14F-4D97-AF65-F5344CB8AC3E}">
-        <p14:creationId xmlns:p14="http://schemas.microsoft.com/office/powerpoint/2010/main" val="3003825996"/>
+        <p14:creationId xmlns:p14="http://schemas.microsoft.com/office/powerpoint/2010/main" val="253166409"/>
       </p:ext>
     </p:extLst>
   </p:cSld>
@@ -2254,10 +1409,7 @@
           <a:bodyPr/>
           <a:lstStyle/>
           <a:p>
-            <a:r>
-              <a:rPr lang="zh-CN" altLang="en-US" dirty="0"/>
-              <a:t>低层解决的实际上是满足约束条件的单智能体路径规划问题。</a:t>
-            </a:r>
+            <a:endParaRPr lang="zh-CN" altLang="en-US" dirty="0"/>
           </a:p>
         </p:txBody>
       </p:sp>
@@ -2278,7 +1430,7 @@
           <a:p>
             <a:fld id="{08FA035D-5F83-4DF7-BABA-C3479DD748DE}" type="slidenum">
               <a:rPr lang="zh-CN" altLang="en-US" smtClean="0"/>
-              <a:t>13</a:t>
+              <a:t>12</a:t>
             </a:fld>
             <a:endParaRPr lang="zh-CN" altLang="en-US"/>
           </a:p>
@@ -2287,7 +1439,7 @@
     </p:spTree>
     <p:extLst>
       <p:ext uri="{BB962C8B-B14F-4D97-AF65-F5344CB8AC3E}">
-        <p14:creationId xmlns:p14="http://schemas.microsoft.com/office/powerpoint/2010/main" val="957267183"/>
+        <p14:creationId xmlns:p14="http://schemas.microsoft.com/office/powerpoint/2010/main" val="2783797413"/>
       </p:ext>
     </p:extLst>
   </p:cSld>
@@ -2444,7 +1596,7 @@
           <a:p>
             <a:fld id="{2D8FB3AA-4DD9-41F8-ACA7-529CA5B761B9}" type="datetimeFigureOut">
               <a:rPr lang="zh-CN" altLang="en-US" smtClean="0"/>
-              <a:t>2023/7/21</a:t>
+              <a:t>2023/7/27</a:t>
             </a:fld>
             <a:endParaRPr lang="zh-CN" altLang="en-US"/>
           </a:p>
@@ -2642,7 +1794,7 @@
           <a:p>
             <a:fld id="{2D8FB3AA-4DD9-41F8-ACA7-529CA5B761B9}" type="datetimeFigureOut">
               <a:rPr lang="zh-CN" altLang="en-US" smtClean="0"/>
-              <a:t>2023/7/21</a:t>
+              <a:t>2023/7/27</a:t>
             </a:fld>
             <a:endParaRPr lang="zh-CN" altLang="en-US"/>
           </a:p>
@@ -2850,7 +2002,7 @@
           <a:p>
             <a:fld id="{2D8FB3AA-4DD9-41F8-ACA7-529CA5B761B9}" type="datetimeFigureOut">
               <a:rPr lang="zh-CN" altLang="en-US" smtClean="0"/>
-              <a:t>2023/7/21</a:t>
+              <a:t>2023/7/27</a:t>
             </a:fld>
             <a:endParaRPr lang="zh-CN" altLang="en-US"/>
           </a:p>
@@ -3048,7 +2200,7 @@
           <a:p>
             <a:fld id="{2D8FB3AA-4DD9-41F8-ACA7-529CA5B761B9}" type="datetimeFigureOut">
               <a:rPr lang="zh-CN" altLang="en-US" smtClean="0"/>
-              <a:t>2023/7/21</a:t>
+              <a:t>2023/7/27</a:t>
             </a:fld>
             <a:endParaRPr lang="zh-CN" altLang="en-US"/>
           </a:p>
@@ -3323,7 +2475,7 @@
           <a:p>
             <a:fld id="{2D8FB3AA-4DD9-41F8-ACA7-529CA5B761B9}" type="datetimeFigureOut">
               <a:rPr lang="zh-CN" altLang="en-US" smtClean="0"/>
-              <a:t>2023/7/21</a:t>
+              <a:t>2023/7/27</a:t>
             </a:fld>
             <a:endParaRPr lang="zh-CN" altLang="en-US"/>
           </a:p>
@@ -3588,7 +2740,7 @@
           <a:p>
             <a:fld id="{2D8FB3AA-4DD9-41F8-ACA7-529CA5B761B9}" type="datetimeFigureOut">
               <a:rPr lang="zh-CN" altLang="en-US" smtClean="0"/>
-              <a:t>2023/7/21</a:t>
+              <a:t>2023/7/27</a:t>
             </a:fld>
             <a:endParaRPr lang="zh-CN" altLang="en-US"/>
           </a:p>
@@ -4000,7 +3152,7 @@
           <a:p>
             <a:fld id="{2D8FB3AA-4DD9-41F8-ACA7-529CA5B761B9}" type="datetimeFigureOut">
               <a:rPr lang="zh-CN" altLang="en-US" smtClean="0"/>
-              <a:t>2023/7/21</a:t>
+              <a:t>2023/7/27</a:t>
             </a:fld>
             <a:endParaRPr lang="zh-CN" altLang="en-US"/>
           </a:p>
@@ -4141,7 +3293,7 @@
           <a:p>
             <a:fld id="{2D8FB3AA-4DD9-41F8-ACA7-529CA5B761B9}" type="datetimeFigureOut">
               <a:rPr lang="zh-CN" altLang="en-US" smtClean="0"/>
-              <a:t>2023/7/21</a:t>
+              <a:t>2023/7/27</a:t>
             </a:fld>
             <a:endParaRPr lang="zh-CN" altLang="en-US"/>
           </a:p>
@@ -4254,7 +3406,7 @@
           <a:p>
             <a:fld id="{2D8FB3AA-4DD9-41F8-ACA7-529CA5B761B9}" type="datetimeFigureOut">
               <a:rPr lang="zh-CN" altLang="en-US" smtClean="0"/>
-              <a:t>2023/7/21</a:t>
+              <a:t>2023/7/27</a:t>
             </a:fld>
             <a:endParaRPr lang="zh-CN" altLang="en-US"/>
           </a:p>
@@ -4565,7 +3717,7 @@
           <a:p>
             <a:fld id="{2D8FB3AA-4DD9-41F8-ACA7-529CA5B761B9}" type="datetimeFigureOut">
               <a:rPr lang="zh-CN" altLang="en-US" smtClean="0"/>
-              <a:t>2023/7/21</a:t>
+              <a:t>2023/7/27</a:t>
             </a:fld>
             <a:endParaRPr lang="zh-CN" altLang="en-US"/>
           </a:p>
@@ -4853,7 +4005,7 @@
           <a:p>
             <a:fld id="{2D8FB3AA-4DD9-41F8-ACA7-529CA5B761B9}" type="datetimeFigureOut">
               <a:rPr lang="zh-CN" altLang="en-US" smtClean="0"/>
-              <a:t>2023/7/21</a:t>
+              <a:t>2023/7/27</a:t>
             </a:fld>
             <a:endParaRPr lang="zh-CN" altLang="en-US"/>
           </a:p>
@@ -5094,7 +4246,7 @@
           <a:p>
             <a:fld id="{2D8FB3AA-4DD9-41F8-ACA7-529CA5B761B9}" type="datetimeFigureOut">
               <a:rPr lang="zh-CN" altLang="en-US" smtClean="0"/>
-              <a:t>2023/7/21</a:t>
+              <a:t>2023/7/27</a:t>
             </a:fld>
             <a:endParaRPr lang="zh-CN" altLang="en-US"/>
           </a:p>
@@ -5700,10 +4852,10 @@
       </p:grpSpPr>
       <p:sp>
         <p:nvSpPr>
-          <p:cNvPr id="2" name="标题 1">
-            <a:extLst>
-              <a:ext uri="{FF2B5EF4-FFF2-40B4-BE49-F238E27FC236}">
-                <a16:creationId xmlns:a16="http://schemas.microsoft.com/office/drawing/2014/main" id="{BB3CD457-9B4A-402E-A0A0-6AD65EC51C6C}"/>
+          <p:cNvPr id="4" name="标题 3">
+            <a:extLst>
+              <a:ext uri="{FF2B5EF4-FFF2-40B4-BE49-F238E27FC236}">
+                <a16:creationId xmlns:a16="http://schemas.microsoft.com/office/drawing/2014/main" id="{3B93F859-B61D-410F-ABF7-19220442847B}"/>
               </a:ext>
             </a:extLst>
           </p:cNvPr>
@@ -5716,8 +4868,8 @@
         </p:nvSpPr>
         <p:spPr>
           <a:xfrm>
-            <a:off x="838200" y="250371"/>
-            <a:ext cx="10515600" cy="1143001"/>
+            <a:off x="838200" y="193041"/>
+            <a:ext cx="10515600" cy="907608"/>
           </a:xfrm>
         </p:spPr>
         <p:txBody>
@@ -5725,19 +4877,46 @@
           <a:lstStyle/>
           <a:p>
             <a:r>
-              <a:rPr lang="en-US" altLang="zh-CN" dirty="0"/>
-              <a:t>High-level of CBS</a:t>
-            </a:r>
-            <a:endParaRPr lang="zh-CN" altLang="en-US" dirty="0"/>
+              <a:rPr lang="zh-CN" altLang="en-US" dirty="0">
+                <a:latin typeface="微软雅黑" panose="020B0503020204020204" pitchFamily="34" charset="-122"/>
+                <a:ea typeface="微软雅黑" panose="020B0503020204020204" pitchFamily="34" charset="-122"/>
+              </a:rPr>
+              <a:t>循环阶段</a:t>
+            </a:r>
+            <a:r>
+              <a:rPr lang="en-US" altLang="zh-CN" dirty="0">
+                <a:latin typeface="微软雅黑" panose="020B0503020204020204" pitchFamily="34" charset="-122"/>
+                <a:ea typeface="微软雅黑" panose="020B0503020204020204" pitchFamily="34" charset="-122"/>
+              </a:rPr>
+              <a:t>: </a:t>
+            </a:r>
+            <a:r>
+              <a:rPr lang="en-US" altLang="zh-CN" dirty="0" err="1">
+                <a:latin typeface="微软雅黑" panose="020B0503020204020204" pitchFamily="34" charset="-122"/>
+                <a:ea typeface="微软雅黑" panose="020B0503020204020204" pitchFamily="34" charset="-122"/>
+              </a:rPr>
+              <a:t>iter</a:t>
+            </a:r>
+            <a:r>
+              <a:rPr lang="en-US" altLang="zh-CN" dirty="0">
+                <a:latin typeface="微软雅黑" panose="020B0503020204020204" pitchFamily="34" charset="-122"/>
+                <a:ea typeface="微软雅黑" panose="020B0503020204020204" pitchFamily="34" charset="-122"/>
+              </a:rPr>
+              <a:t>=1 </a:t>
+            </a:r>
+            <a:endParaRPr lang="zh-CN" altLang="en-US" dirty="0">
+              <a:latin typeface="微软雅黑" panose="020B0503020204020204" pitchFamily="34" charset="-122"/>
+              <a:ea typeface="微软雅黑" panose="020B0503020204020204" pitchFamily="34" charset="-122"/>
+            </a:endParaRPr>
           </a:p>
         </p:txBody>
       </p:sp>
       <p:pic>
         <p:nvPicPr>
-          <p:cNvPr id="5" name="内容占位符 4">
-            <a:extLst>
-              <a:ext uri="{FF2B5EF4-FFF2-40B4-BE49-F238E27FC236}">
-                <a16:creationId xmlns:a16="http://schemas.microsoft.com/office/drawing/2014/main" id="{9F3DE29B-4835-4932-8EA9-7C3CCED89D58}"/>
+          <p:cNvPr id="8" name="内容占位符 7">
+            <a:extLst>
+              <a:ext uri="{FF2B5EF4-FFF2-40B4-BE49-F238E27FC236}">
+                <a16:creationId xmlns:a16="http://schemas.microsoft.com/office/drawing/2014/main" id="{7EA3B885-EB2A-47A4-B67A-0E84F3EB90A0}"/>
               </a:ext>
             </a:extLst>
           </p:cNvPr>
@@ -5745,7 +4924,7 @@
             <a:picLocks noGrp="1" noChangeAspect="1"/>
           </p:cNvPicPr>
           <p:nvPr>
-            <p:ph idx="1"/>
+            <p:ph sz="half" idx="1"/>
           </p:nvPr>
         </p:nvPicPr>
         <p:blipFill>
@@ -5756,15 +4935,233 @@
         </p:blipFill>
         <p:spPr>
           <a:xfrm>
-            <a:off x="3646715" y="1537768"/>
-            <a:ext cx="4802454" cy="4830375"/>
+            <a:off x="279086" y="1889760"/>
+            <a:ext cx="6324556" cy="3078479"/>
           </a:xfrm>
         </p:spPr>
       </p:pic>
+      <p:sp>
+        <p:nvSpPr>
+          <p:cNvPr id="6" name="内容占位符 5">
+            <a:extLst>
+              <a:ext uri="{FF2B5EF4-FFF2-40B4-BE49-F238E27FC236}">
+                <a16:creationId xmlns:a16="http://schemas.microsoft.com/office/drawing/2014/main" id="{64603F53-96E0-4C66-8E6C-3397BD5D712C}"/>
+              </a:ext>
+            </a:extLst>
+          </p:cNvPr>
+          <p:cNvSpPr>
+            <a:spLocks noGrp="1"/>
+          </p:cNvSpPr>
+          <p:nvPr>
+            <p:ph sz="half" idx="2"/>
+          </p:nvPr>
+        </p:nvSpPr>
+        <p:spPr>
+          <a:xfrm>
+            <a:off x="6879842" y="454025"/>
+            <a:ext cx="5181600" cy="3975735"/>
+          </a:xfrm>
+        </p:spPr>
+        <p:txBody>
+          <a:bodyPr>
+            <a:normAutofit/>
+          </a:bodyPr>
+          <a:lstStyle/>
+          <a:p>
+            <a:r>
+              <a:rPr lang="en-US" altLang="zh-CN" dirty="0"/>
+              <a:t>Remove smallest f(8,0) = 10 from open list</a:t>
+            </a:r>
+          </a:p>
+          <a:p>
+            <a:r>
+              <a:rPr lang="en-US" altLang="zh-CN" dirty="0"/>
+              <a:t>open list</a:t>
+            </a:r>
+            <a:r>
+              <a:rPr lang="zh-CN" altLang="en-US" dirty="0"/>
+              <a:t>为空</a:t>
+            </a:r>
+            <a:endParaRPr lang="en-US" altLang="zh-CN" dirty="0"/>
+          </a:p>
+          <a:p>
+            <a:r>
+              <a:rPr lang="en-US" altLang="zh-CN" dirty="0"/>
+              <a:t>north </a:t>
+            </a:r>
+            <a:r>
+              <a:rPr lang="en-US" altLang="zh-CN" dirty="0" err="1"/>
+              <a:t>g_new</a:t>
+            </a:r>
+            <a:r>
+              <a:rPr lang="en-US" altLang="zh-CN" dirty="0"/>
+              <a:t> = 0+1 = 1 </a:t>
+            </a:r>
+          </a:p>
+          <a:p>
+            <a:r>
+              <a:rPr lang="en-US" altLang="zh-CN" dirty="0"/>
+              <a:t>north </a:t>
+            </a:r>
+            <a:r>
+              <a:rPr lang="en-US" altLang="zh-CN" dirty="0" err="1"/>
+              <a:t>g_current</a:t>
+            </a:r>
+            <a:r>
+              <a:rPr lang="en-US" altLang="zh-CN" dirty="0"/>
+              <a:t> = ∞</a:t>
+            </a:r>
+          </a:p>
+          <a:p>
+            <a:r>
+              <a:rPr lang="en-US" altLang="zh-CN" dirty="0"/>
+              <a:t>Since </a:t>
+            </a:r>
+            <a:r>
+              <a:rPr lang="en-US" altLang="zh-CN" dirty="0" err="1"/>
+              <a:t>g_new</a:t>
+            </a:r>
+            <a:r>
+              <a:rPr lang="en-US" altLang="zh-CN" dirty="0"/>
+              <a:t>&lt;</a:t>
+            </a:r>
+            <a:r>
+              <a:rPr lang="en-US" altLang="zh-CN" dirty="0" err="1"/>
+              <a:t>g_current</a:t>
+            </a:r>
+            <a:r>
+              <a:rPr lang="en-US" altLang="zh-CN" dirty="0"/>
+              <a:t>, add north node (8, 1) to open list</a:t>
+            </a:r>
+          </a:p>
+          <a:p>
+            <a:r>
+              <a:rPr lang="en-US" altLang="zh-CN" dirty="0"/>
+              <a:t>open list: f(8, 1) = 10</a:t>
+            </a:r>
+          </a:p>
+        </p:txBody>
+      </p:sp>
+      <p:pic>
+        <p:nvPicPr>
+          <p:cNvPr id="9" name="内容占位符 4">
+            <a:extLst>
+              <a:ext uri="{FF2B5EF4-FFF2-40B4-BE49-F238E27FC236}">
+                <a16:creationId xmlns:a16="http://schemas.microsoft.com/office/drawing/2014/main" id="{A15906EA-40E8-4982-A39A-80290CDACE7C}"/>
+              </a:ext>
+            </a:extLst>
+          </p:cNvPr>
+          <p:cNvPicPr>
+            <a:picLocks noChangeAspect="1"/>
+          </p:cNvPicPr>
+          <p:nvPr/>
+        </p:nvPicPr>
+        <p:blipFill>
+          <a:blip r:embed="rId4"/>
+          <a:stretch>
+            <a:fillRect/>
+          </a:stretch>
+        </p:blipFill>
+        <p:spPr>
+          <a:xfrm>
+            <a:off x="8092640" y="4295160"/>
+            <a:ext cx="2483920" cy="2212319"/>
+          </a:xfrm>
+          <a:prstGeom prst="rect">
+            <a:avLst/>
+          </a:prstGeom>
+        </p:spPr>
+      </p:pic>
+      <p:sp>
+        <p:nvSpPr>
+          <p:cNvPr id="13" name="椭圆 12">
+            <a:extLst>
+              <a:ext uri="{FF2B5EF4-FFF2-40B4-BE49-F238E27FC236}">
+                <a16:creationId xmlns:a16="http://schemas.microsoft.com/office/drawing/2014/main" id="{CB74BC65-B6D7-4B55-A66E-F7A34CA30300}"/>
+              </a:ext>
+            </a:extLst>
+          </p:cNvPr>
+          <p:cNvSpPr/>
+          <p:nvPr/>
+        </p:nvSpPr>
+        <p:spPr>
+          <a:xfrm>
+            <a:off x="8392160" y="6319520"/>
+            <a:ext cx="152400" cy="84455"/>
+          </a:xfrm>
+          <a:prstGeom prst="ellipse">
+            <a:avLst/>
+          </a:prstGeom>
+        </p:spPr>
+        <p:style>
+          <a:lnRef idx="2">
+            <a:schemeClr val="accent1">
+              <a:shade val="50000"/>
+            </a:schemeClr>
+          </a:lnRef>
+          <a:fillRef idx="1">
+            <a:schemeClr val="accent1"/>
+          </a:fillRef>
+          <a:effectRef idx="0">
+            <a:schemeClr val="accent1"/>
+          </a:effectRef>
+          <a:fontRef idx="minor">
+            <a:schemeClr val="lt1"/>
+          </a:fontRef>
+        </p:style>
+        <p:txBody>
+          <a:bodyPr rtlCol="0" anchor="ctr"/>
+          <a:lstStyle/>
+          <a:p>
+            <a:pPr algn="ctr"/>
+            <a:endParaRPr lang="zh-CN" altLang="en-US"/>
+          </a:p>
+        </p:txBody>
+      </p:sp>
+      <p:sp>
+        <p:nvSpPr>
+          <p:cNvPr id="14" name="文本框 13">
+            <a:extLst>
+              <a:ext uri="{FF2B5EF4-FFF2-40B4-BE49-F238E27FC236}">
+                <a16:creationId xmlns:a16="http://schemas.microsoft.com/office/drawing/2014/main" id="{F52DA684-18DD-41EC-9A70-9173CC649DF4}"/>
+              </a:ext>
+            </a:extLst>
+          </p:cNvPr>
+          <p:cNvSpPr txBox="1"/>
+          <p:nvPr/>
+        </p:nvSpPr>
+        <p:spPr>
+          <a:xfrm>
+            <a:off x="1432560" y="1100648"/>
+            <a:ext cx="3657600" cy="369332"/>
+          </a:xfrm>
+          <a:prstGeom prst="rect">
+            <a:avLst/>
+          </a:prstGeom>
+          <a:noFill/>
+        </p:spPr>
+        <p:txBody>
+          <a:bodyPr wrap="square" rtlCol="0">
+            <a:spAutoFit/>
+          </a:bodyPr>
+          <a:lstStyle/>
+          <a:p>
+            <a:r>
+              <a:rPr lang="en-US" altLang="zh-CN" dirty="0" err="1"/>
+              <a:t>Evalate</a:t>
+            </a:r>
+            <a:r>
+              <a:rPr lang="en-US" altLang="zh-CN" dirty="0"/>
+              <a:t> north node</a:t>
+            </a:r>
+            <a:endParaRPr lang="zh-CN" altLang="en-US" dirty="0"/>
+          </a:p>
+        </p:txBody>
+      </p:sp>
     </p:spTree>
     <p:extLst>
       <p:ext uri="{BB962C8B-B14F-4D97-AF65-F5344CB8AC3E}">
-        <p14:creationId xmlns:p14="http://schemas.microsoft.com/office/powerpoint/2010/main" val="1500493171"/>
+        <p14:creationId xmlns:p14="http://schemas.microsoft.com/office/powerpoint/2010/main" val="973879931"/>
       </p:ext>
     </p:extLst>
   </p:cSld>
@@ -5793,10 +5190,10 @@
       </p:grpSpPr>
       <p:sp>
         <p:nvSpPr>
-          <p:cNvPr id="2" name="标题 1">
-            <a:extLst>
-              <a:ext uri="{FF2B5EF4-FFF2-40B4-BE49-F238E27FC236}">
-                <a16:creationId xmlns:a16="http://schemas.microsoft.com/office/drawing/2014/main" id="{48548F4E-B303-4888-BDD5-8F7FDEB4C10F}"/>
+          <p:cNvPr id="4" name="标题 3">
+            <a:extLst>
+              <a:ext uri="{FF2B5EF4-FFF2-40B4-BE49-F238E27FC236}">
+                <a16:creationId xmlns:a16="http://schemas.microsoft.com/office/drawing/2014/main" id="{3B93F859-B61D-410F-ABF7-19220442847B}"/>
               </a:ext>
             </a:extLst>
           </p:cNvPr>
@@ -5807,25 +5204,57 @@
             <p:ph type="title"/>
           </p:nvPr>
         </p:nvSpPr>
-        <p:spPr/>
-        <p:txBody>
-          <a:bodyPr/>
-          <a:lstStyle/>
-          <a:p>
-            <a:r>
-              <a:rPr lang="en-US" altLang="zh-CN" dirty="0"/>
-              <a:t>Example</a:t>
-            </a:r>
-            <a:endParaRPr lang="zh-CN" altLang="en-US" dirty="0"/>
+        <p:spPr>
+          <a:xfrm>
+            <a:off x="838200" y="193041"/>
+            <a:ext cx="10515600" cy="907608"/>
+          </a:xfrm>
+        </p:spPr>
+        <p:txBody>
+          <a:bodyPr/>
+          <a:lstStyle/>
+          <a:p>
+            <a:r>
+              <a:rPr lang="zh-CN" altLang="en-US" dirty="0">
+                <a:latin typeface="微软雅黑" panose="020B0503020204020204" pitchFamily="34" charset="-122"/>
+                <a:ea typeface="微软雅黑" panose="020B0503020204020204" pitchFamily="34" charset="-122"/>
+              </a:rPr>
+              <a:t>循环阶段</a:t>
+            </a:r>
+            <a:r>
+              <a:rPr lang="en-US" altLang="zh-CN" dirty="0">
+                <a:latin typeface="微软雅黑" panose="020B0503020204020204" pitchFamily="34" charset="-122"/>
+                <a:ea typeface="微软雅黑" panose="020B0503020204020204" pitchFamily="34" charset="-122"/>
+              </a:rPr>
+              <a:t>: </a:t>
+            </a:r>
+            <a:r>
+              <a:rPr lang="en-US" altLang="zh-CN" dirty="0" err="1">
+                <a:latin typeface="微软雅黑" panose="020B0503020204020204" pitchFamily="34" charset="-122"/>
+                <a:ea typeface="微软雅黑" panose="020B0503020204020204" pitchFamily="34" charset="-122"/>
+              </a:rPr>
+              <a:t>iter</a:t>
+            </a:r>
+            <a:r>
+              <a:rPr lang="en-US" altLang="zh-CN" dirty="0">
+                <a:latin typeface="微软雅黑" panose="020B0503020204020204" pitchFamily="34" charset="-122"/>
+                <a:ea typeface="微软雅黑" panose="020B0503020204020204" pitchFamily="34" charset="-122"/>
+              </a:rPr>
+              <a:t>=1</a:t>
+            </a:r>
+            <a:endParaRPr lang="zh-CN" altLang="en-US" dirty="0">
+              <a:latin typeface="微软雅黑" panose="020B0503020204020204" pitchFamily="34" charset="-122"/>
+              <a:ea typeface="微软雅黑" panose="020B0503020204020204" pitchFamily="34" charset="-122"/>
+            </a:endParaRPr>
           </a:p>
         </p:txBody>
       </p:sp>
       <p:pic>
         <p:nvPicPr>
-          <p:cNvPr id="9" name="内容占位符 8">
-            <a:extLst>
-              <a:ext uri="{FF2B5EF4-FFF2-40B4-BE49-F238E27FC236}">
-                <a16:creationId xmlns:a16="http://schemas.microsoft.com/office/drawing/2014/main" id="{7C26B3F6-9D3F-4BC6-A710-0880514BDB56}"/>
+          <p:cNvPr id="8" name="内容占位符 7">
+            <a:extLst>
+              <a:ext uri="{FF2B5EF4-FFF2-40B4-BE49-F238E27FC236}">
+                <a16:creationId xmlns:a16="http://schemas.microsoft.com/office/drawing/2014/main" id="{7EA3B885-EB2A-47A4-B67A-0E84F3EB90A0}"/>
               </a:ext>
             </a:extLst>
           </p:cNvPr>
@@ -5844,26 +5273,109 @@
         </p:blipFill>
         <p:spPr>
           <a:xfrm>
-            <a:off x="370115" y="1690688"/>
-            <a:ext cx="2667000" cy="4016285"/>
+            <a:off x="279086" y="1889760"/>
+            <a:ext cx="6324556" cy="3078479"/>
           </a:xfrm>
         </p:spPr>
       </p:pic>
+      <p:sp>
+        <p:nvSpPr>
+          <p:cNvPr id="6" name="内容占位符 5">
+            <a:extLst>
+              <a:ext uri="{FF2B5EF4-FFF2-40B4-BE49-F238E27FC236}">
+                <a16:creationId xmlns:a16="http://schemas.microsoft.com/office/drawing/2014/main" id="{64603F53-96E0-4C66-8E6C-3397BD5D712C}"/>
+              </a:ext>
+            </a:extLst>
+          </p:cNvPr>
+          <p:cNvSpPr>
+            <a:spLocks noGrp="1"/>
+          </p:cNvSpPr>
+          <p:nvPr>
+            <p:ph sz="half" idx="2"/>
+          </p:nvPr>
+        </p:nvSpPr>
+        <p:spPr>
+          <a:xfrm>
+            <a:off x="6879842" y="454025"/>
+            <a:ext cx="5181600" cy="3975735"/>
+          </a:xfrm>
+        </p:spPr>
+        <p:txBody>
+          <a:bodyPr>
+            <a:normAutofit/>
+          </a:bodyPr>
+          <a:lstStyle/>
+          <a:p>
+            <a:r>
+              <a:rPr lang="en-US" altLang="zh-CN" dirty="0"/>
+              <a:t>west </a:t>
+            </a:r>
+            <a:r>
+              <a:rPr lang="en-US" altLang="zh-CN" dirty="0" err="1"/>
+              <a:t>g_new</a:t>
+            </a:r>
+            <a:r>
+              <a:rPr lang="en-US" altLang="zh-CN" dirty="0"/>
+              <a:t> = 1 </a:t>
+            </a:r>
+          </a:p>
+          <a:p>
+            <a:r>
+              <a:rPr lang="en-US" altLang="zh-CN" dirty="0"/>
+              <a:t>west </a:t>
+            </a:r>
+            <a:r>
+              <a:rPr lang="en-US" altLang="zh-CN" dirty="0" err="1"/>
+              <a:t>g_current</a:t>
+            </a:r>
+            <a:r>
+              <a:rPr lang="en-US" altLang="zh-CN" dirty="0"/>
+              <a:t> = ∞</a:t>
+            </a:r>
+          </a:p>
+          <a:p>
+            <a:r>
+              <a:rPr lang="en-US" altLang="zh-CN" dirty="0"/>
+              <a:t>Since </a:t>
+            </a:r>
+            <a:r>
+              <a:rPr lang="en-US" altLang="zh-CN" dirty="0" err="1"/>
+              <a:t>g_new</a:t>
+            </a:r>
+            <a:r>
+              <a:rPr lang="en-US" altLang="zh-CN" dirty="0"/>
+              <a:t> &lt; </a:t>
+            </a:r>
+            <a:r>
+              <a:rPr lang="en-US" altLang="zh-CN" dirty="0" err="1"/>
+              <a:t>g_current</a:t>
+            </a:r>
+            <a:r>
+              <a:rPr lang="en-US" altLang="zh-CN" dirty="0"/>
+              <a:t>, add west node (7, 0) to open list</a:t>
+            </a:r>
+          </a:p>
+          <a:p>
+            <a:r>
+              <a:rPr lang="en-US" altLang="zh-CN" dirty="0"/>
+              <a:t>open list: f(7, 0) = 10 f(8, 1) = 10</a:t>
+            </a:r>
+          </a:p>
+        </p:txBody>
+      </p:sp>
       <p:pic>
         <p:nvPicPr>
-          <p:cNvPr id="11" name="内容占位符 10">
-            <a:extLst>
-              <a:ext uri="{FF2B5EF4-FFF2-40B4-BE49-F238E27FC236}">
-                <a16:creationId xmlns:a16="http://schemas.microsoft.com/office/drawing/2014/main" id="{4379F63E-661F-4A5A-911F-E7297705CB04}"/>
+          <p:cNvPr id="9" name="内容占位符 4">
+            <a:extLst>
+              <a:ext uri="{FF2B5EF4-FFF2-40B4-BE49-F238E27FC236}">
+                <a16:creationId xmlns:a16="http://schemas.microsoft.com/office/drawing/2014/main" id="{A15906EA-40E8-4982-A39A-80290CDACE7C}"/>
               </a:ext>
             </a:extLst>
           </p:cNvPr>
           <p:cNvPicPr>
-            <a:picLocks noGrp="1" noChangeAspect="1"/>
+            <a:picLocks noChangeAspect="1"/>
           </p:cNvPicPr>
-          <p:nvPr>
-            <p:ph sz="half" idx="2"/>
-          </p:nvPr>
+          <p:nvPr/>
         </p:nvPicPr>
         <p:blipFill>
           <a:blip r:embed="rId4"/>
@@ -5873,45 +5385,104 @@
         </p:blipFill>
         <p:spPr>
           <a:xfrm>
-            <a:off x="3542373" y="1759692"/>
-            <a:ext cx="3331027" cy="3947281"/>
-          </a:xfrm>
-        </p:spPr>
-      </p:pic>
-      <p:pic>
-        <p:nvPicPr>
-          <p:cNvPr id="12" name="内容占位符 4">
-            <a:extLst>
-              <a:ext uri="{FF2B5EF4-FFF2-40B4-BE49-F238E27FC236}">
-                <a16:creationId xmlns:a16="http://schemas.microsoft.com/office/drawing/2014/main" id="{3B4D680B-9C8C-4214-8D92-FDE1E23143C6}"/>
-              </a:ext>
-            </a:extLst>
-          </p:cNvPr>
-          <p:cNvPicPr>
-            <a:picLocks noChangeAspect="1"/>
-          </p:cNvPicPr>
-          <p:nvPr/>
-        </p:nvPicPr>
-        <p:blipFill>
-          <a:blip r:embed="rId5"/>
-          <a:stretch>
-            <a:fillRect/>
-          </a:stretch>
-        </p:blipFill>
-        <p:spPr>
-          <a:xfrm>
-            <a:off x="7378658" y="1318144"/>
-            <a:ext cx="4802454" cy="4830375"/>
+            <a:off x="8092640" y="3806510"/>
+            <a:ext cx="3032560" cy="2700969"/>
           </a:xfrm>
           <a:prstGeom prst="rect">
             <a:avLst/>
           </a:prstGeom>
         </p:spPr>
       </p:pic>
+      <p:sp>
+        <p:nvSpPr>
+          <p:cNvPr id="2" name="椭圆 1">
+            <a:extLst>
+              <a:ext uri="{FF2B5EF4-FFF2-40B4-BE49-F238E27FC236}">
+                <a16:creationId xmlns:a16="http://schemas.microsoft.com/office/drawing/2014/main" id="{D58DD576-4A0F-4F26-8663-C4382D8C7FA7}"/>
+              </a:ext>
+            </a:extLst>
+          </p:cNvPr>
+          <p:cNvSpPr/>
+          <p:nvPr/>
+        </p:nvSpPr>
+        <p:spPr>
+          <a:xfrm flipV="1">
+            <a:off x="8199120" y="6055361"/>
+            <a:ext cx="50800" cy="81280"/>
+          </a:xfrm>
+          <a:prstGeom prst="ellipse">
+            <a:avLst/>
+          </a:prstGeom>
+        </p:spPr>
+        <p:style>
+          <a:lnRef idx="2">
+            <a:schemeClr val="accent1">
+              <a:shade val="50000"/>
+            </a:schemeClr>
+          </a:lnRef>
+          <a:fillRef idx="1">
+            <a:schemeClr val="accent1"/>
+          </a:fillRef>
+          <a:effectRef idx="0">
+            <a:schemeClr val="accent1"/>
+          </a:effectRef>
+          <a:fontRef idx="minor">
+            <a:schemeClr val="lt1"/>
+          </a:fontRef>
+        </p:style>
+        <p:txBody>
+          <a:bodyPr rtlCol="0" anchor="ctr"/>
+          <a:lstStyle/>
+          <a:p>
+            <a:pPr algn="ctr"/>
+            <a:endParaRPr lang="zh-CN" altLang="en-US"/>
+          </a:p>
+        </p:txBody>
+      </p:sp>
+      <p:sp>
+        <p:nvSpPr>
+          <p:cNvPr id="10" name="文本框 9">
+            <a:extLst>
+              <a:ext uri="{FF2B5EF4-FFF2-40B4-BE49-F238E27FC236}">
+                <a16:creationId xmlns:a16="http://schemas.microsoft.com/office/drawing/2014/main" id="{8BA2824D-4015-4625-86AC-D2A2243A9AD5}"/>
+              </a:ext>
+            </a:extLst>
+          </p:cNvPr>
+          <p:cNvSpPr txBox="1"/>
+          <p:nvPr/>
+        </p:nvSpPr>
+        <p:spPr>
+          <a:xfrm>
+            <a:off x="1432560" y="1100648"/>
+            <a:ext cx="3657600" cy="369332"/>
+          </a:xfrm>
+          <a:prstGeom prst="rect">
+            <a:avLst/>
+          </a:prstGeom>
+          <a:noFill/>
+        </p:spPr>
+        <p:txBody>
+          <a:bodyPr wrap="square" rtlCol="0">
+            <a:spAutoFit/>
+          </a:bodyPr>
+          <a:lstStyle/>
+          <a:p>
+            <a:r>
+              <a:rPr lang="en-US" altLang="zh-CN" dirty="0" err="1"/>
+              <a:t>Evalate</a:t>
+            </a:r>
+            <a:r>
+              <a:rPr lang="en-US" altLang="zh-CN" dirty="0"/>
+              <a:t> west node</a:t>
+            </a:r>
+            <a:endParaRPr lang="zh-CN" altLang="en-US" dirty="0"/>
+          </a:p>
+        </p:txBody>
+      </p:sp>
     </p:spTree>
     <p:extLst>
       <p:ext uri="{BB962C8B-B14F-4D97-AF65-F5344CB8AC3E}">
-        <p14:creationId xmlns:p14="http://schemas.microsoft.com/office/powerpoint/2010/main" val="1898428641"/>
+        <p14:creationId xmlns:p14="http://schemas.microsoft.com/office/powerpoint/2010/main" val="234783394"/>
       </p:ext>
     </p:extLst>
   </p:cSld>
@@ -5943,7 +5514,7 @@
           <p:cNvPr id="2" name="标题 1">
             <a:extLst>
               <a:ext uri="{FF2B5EF4-FFF2-40B4-BE49-F238E27FC236}">
-                <a16:creationId xmlns:a16="http://schemas.microsoft.com/office/drawing/2014/main" id="{9A90AA65-F447-4378-BA30-2BA8B15ABE64}"/>
+                <a16:creationId xmlns:a16="http://schemas.microsoft.com/office/drawing/2014/main" id="{5AB42BD6-7635-49DA-996F-45DD42E53B16}"/>
               </a:ext>
             </a:extLst>
           </p:cNvPr>
@@ -5959,167 +5530,160 @@
           <a:bodyPr/>
           <a:lstStyle/>
           <a:p>
+            <a:r>
+              <a:rPr lang="en-US" altLang="zh-CN" dirty="0">
+                <a:latin typeface="微软雅黑" panose="020B0503020204020204" pitchFamily="34" charset="-122"/>
+                <a:ea typeface="微软雅黑" panose="020B0503020204020204" pitchFamily="34" charset="-122"/>
+              </a:rPr>
+              <a:t>A*</a:t>
+            </a:r>
             <a:r>
               <a:rPr lang="zh-CN" altLang="en-US" dirty="0">
                 <a:latin typeface="微软雅黑" panose="020B0503020204020204" pitchFamily="34" charset="-122"/>
                 <a:ea typeface="微软雅黑" panose="020B0503020204020204" pitchFamily="34" charset="-122"/>
               </a:rPr>
-              <a:t>当</a:t>
-            </a:r>
-            <a:r>
-              <a:rPr lang="en-US" altLang="zh-CN" dirty="0">
-                <a:latin typeface="微软雅黑" panose="020B0503020204020204" pitchFamily="34" charset="-122"/>
-                <a:ea typeface="微软雅黑" panose="020B0503020204020204" pitchFamily="34" charset="-122"/>
-              </a:rPr>
-              <a:t>agent</a:t>
-            </a:r>
-            <a:r>
-              <a:rPr lang="zh-CN" altLang="en-US" dirty="0">
-                <a:latin typeface="微软雅黑" panose="020B0503020204020204" pitchFamily="34" charset="-122"/>
-                <a:ea typeface="微软雅黑" panose="020B0503020204020204" pitchFamily="34" charset="-122"/>
-              </a:rPr>
-              <a:t>冲突数</a:t>
-            </a:r>
-            <a:r>
-              <a:rPr lang="en-US" altLang="zh-CN" dirty="0">
-                <a:latin typeface="微软雅黑" panose="020B0503020204020204" pitchFamily="34" charset="-122"/>
-                <a:ea typeface="微软雅黑" panose="020B0503020204020204" pitchFamily="34" charset="-122"/>
-              </a:rPr>
-              <a:t>&gt;2</a:t>
-            </a:r>
-            <a:endParaRPr lang="zh-CN" altLang="en-US" dirty="0">
-              <a:latin typeface="微软雅黑" panose="020B0503020204020204" pitchFamily="34" charset="-122"/>
-              <a:ea typeface="微软雅黑" panose="020B0503020204020204" pitchFamily="34" charset="-122"/>
-            </a:endParaRPr>
-          </a:p>
-        </p:txBody>
-      </p:sp>
-      <p:sp>
-        <p:nvSpPr>
-          <p:cNvPr id="10" name="文本占位符 9">
-            <a:extLst>
-              <a:ext uri="{FF2B5EF4-FFF2-40B4-BE49-F238E27FC236}">
-                <a16:creationId xmlns:a16="http://schemas.microsoft.com/office/drawing/2014/main" id="{ABB35711-E335-4F3A-88BC-A100CBCE5F7D}"/>
-              </a:ext>
-            </a:extLst>
-          </p:cNvPr>
-          <p:cNvSpPr>
-            <a:spLocks noGrp="1"/>
-          </p:cNvSpPr>
-          <p:nvPr>
-            <p:ph type="body" idx="1"/>
-          </p:nvPr>
-        </p:nvSpPr>
-        <p:spPr/>
-        <p:txBody>
-          <a:bodyPr/>
-          <a:lstStyle/>
-          <a:p>
-            <a:r>
-              <a:rPr lang="zh-CN" altLang="en-US" dirty="0"/>
-              <a:t>生成</a:t>
-            </a:r>
-            <a:r>
-              <a:rPr lang="en-US" altLang="zh-CN" dirty="0"/>
-              <a:t>k</a:t>
-            </a:r>
-            <a:r>
-              <a:rPr lang="zh-CN" altLang="en-US" dirty="0"/>
-              <a:t>个子节点</a:t>
-            </a:r>
-          </a:p>
-        </p:txBody>
-      </p:sp>
-      <p:pic>
-        <p:nvPicPr>
-          <p:cNvPr id="7" name="内容占位符 6">
-            <a:extLst>
-              <a:ext uri="{FF2B5EF4-FFF2-40B4-BE49-F238E27FC236}">
-                <a16:creationId xmlns:a16="http://schemas.microsoft.com/office/drawing/2014/main" id="{7E91239B-4DF0-48B9-94F7-E98662FCFC88}"/>
-              </a:ext>
-            </a:extLst>
-          </p:cNvPr>
-          <p:cNvPicPr>
-            <a:picLocks noGrp="1" noChangeAspect="1"/>
-          </p:cNvPicPr>
-          <p:nvPr>
-            <p:ph sz="half" idx="2"/>
-          </p:nvPr>
-        </p:nvPicPr>
-        <p:blipFill>
-          <a:blip r:embed="rId3"/>
-          <a:stretch>
-            <a:fillRect/>
-          </a:stretch>
-        </p:blipFill>
+              <a:t>算法满足一致性条件时是最优的</a:t>
+            </a:r>
+          </a:p>
+        </p:txBody>
+      </p:sp>
+      <p:sp>
+        <p:nvSpPr>
+          <p:cNvPr id="3" name="内容占位符 2">
+            <a:extLst>
+              <a:ext uri="{FF2B5EF4-FFF2-40B4-BE49-F238E27FC236}">
+                <a16:creationId xmlns:a16="http://schemas.microsoft.com/office/drawing/2014/main" id="{B9CB6F28-2821-46AC-81C1-B9E9F7FE64F2}"/>
+              </a:ext>
+            </a:extLst>
+          </p:cNvPr>
+          <p:cNvSpPr>
+            <a:spLocks noGrp="1"/>
+          </p:cNvSpPr>
+          <p:nvPr>
+            <p:ph idx="1"/>
+          </p:nvPr>
+        </p:nvSpPr>
         <p:spPr>
           <a:xfrm>
-            <a:off x="1289241" y="3315198"/>
-            <a:ext cx="4240702" cy="2073232"/>
+            <a:off x="838200" y="1785257"/>
+            <a:ext cx="10515600" cy="4391706"/>
           </a:xfrm>
         </p:spPr>
-      </p:pic>
-      <p:sp>
-        <p:nvSpPr>
-          <p:cNvPr id="11" name="文本占位符 10">
-            <a:extLst>
-              <a:ext uri="{FF2B5EF4-FFF2-40B4-BE49-F238E27FC236}">
-                <a16:creationId xmlns:a16="http://schemas.microsoft.com/office/drawing/2014/main" id="{16BD25AA-6703-4EFB-8CED-32393CE00073}"/>
-              </a:ext>
-            </a:extLst>
-          </p:cNvPr>
-          <p:cNvSpPr>
-            <a:spLocks noGrp="1"/>
-          </p:cNvSpPr>
-          <p:nvPr>
-            <p:ph type="body" sz="quarter" idx="3"/>
-          </p:nvPr>
-        </p:nvSpPr>
-        <p:spPr/>
-        <p:txBody>
-          <a:bodyPr/>
-          <a:lstStyle/>
-          <a:p>
+        <p:txBody>
+          <a:bodyPr>
+            <a:normAutofit/>
+          </a:bodyPr>
+          <a:lstStyle/>
+          <a:p>
+            <a:pPr>
+              <a:lnSpc>
+                <a:spcPct val="150000"/>
+              </a:lnSpc>
+            </a:pPr>
             <a:r>
               <a:rPr lang="zh-CN" altLang="en-US" dirty="0"/>
-              <a:t>只关注发现冲突的前两个智能体</a:t>
-            </a:r>
-          </a:p>
-        </p:txBody>
-      </p:sp>
-      <p:pic>
-        <p:nvPicPr>
-          <p:cNvPr id="9" name="内容占位符 8">
-            <a:extLst>
-              <a:ext uri="{FF2B5EF4-FFF2-40B4-BE49-F238E27FC236}">
-                <a16:creationId xmlns:a16="http://schemas.microsoft.com/office/drawing/2014/main" id="{35542D2E-DAD2-4019-9CCF-FC3B9E561D1F}"/>
-              </a:ext>
-            </a:extLst>
-          </p:cNvPr>
-          <p:cNvPicPr>
-            <a:picLocks noGrp="1" noChangeAspect="1"/>
-          </p:cNvPicPr>
-          <p:nvPr>
-            <p:ph sz="quarter" idx="4"/>
-          </p:nvPr>
-        </p:nvPicPr>
-        <p:blipFill>
-          <a:blip r:embed="rId4"/>
-          <a:stretch>
-            <a:fillRect/>
-          </a:stretch>
-        </p:blipFill>
-        <p:spPr>
-          <a:xfrm>
-            <a:off x="6743956" y="3244907"/>
-            <a:ext cx="4158803" cy="2143523"/>
-          </a:xfrm>
-        </p:spPr>
-      </p:pic>
+              <a:t>一致性条件（</a:t>
+            </a:r>
+            <a:r>
+              <a:rPr lang="en-US" altLang="zh-CN" dirty="0"/>
+              <a:t>Consistency</a:t>
+            </a:r>
+            <a:r>
+              <a:rPr lang="zh-CN" altLang="en-US" dirty="0"/>
+              <a:t>）：启发式函数</a:t>
+            </a:r>
+            <a:r>
+              <a:rPr lang="en-US" altLang="zh-CN" dirty="0"/>
+              <a:t>h</a:t>
+            </a:r>
+            <a:r>
+              <a:rPr lang="zh-CN" altLang="en-US" dirty="0"/>
+              <a:t>满足对于任意节点 </a:t>
+            </a:r>
+            <a:r>
+              <a:rPr lang="en-US" altLang="zh-CN" dirty="0"/>
+              <a:t>n </a:t>
+            </a:r>
+            <a:r>
+              <a:rPr lang="zh-CN" altLang="en-US" dirty="0"/>
+              <a:t>的所有后继节点 </a:t>
+            </a:r>
+            <a:r>
+              <a:rPr lang="en-US" altLang="zh-CN" dirty="0"/>
+              <a:t>n‘</a:t>
+            </a:r>
+            <a:r>
+              <a:rPr lang="zh-CN" altLang="en-US" dirty="0"/>
+              <a:t>，有 </a:t>
+            </a:r>
+            <a:r>
+              <a:rPr lang="en-US" altLang="zh-CN" dirty="0" err="1"/>
+              <a:t>h_score</a:t>
+            </a:r>
+            <a:r>
+              <a:rPr lang="en-US" altLang="zh-CN" dirty="0"/>
+              <a:t>(n) &lt;= c(n, n’) + </a:t>
+            </a:r>
+            <a:r>
+              <a:rPr lang="en-US" altLang="zh-CN" dirty="0" err="1"/>
+              <a:t>h_score</a:t>
+            </a:r>
+            <a:r>
+              <a:rPr lang="en-US" altLang="zh-CN" dirty="0"/>
+              <a:t>(n‘)</a:t>
+            </a:r>
+            <a:r>
+              <a:rPr lang="zh-CN" altLang="en-US" dirty="0"/>
+              <a:t>，其中 </a:t>
+            </a:r>
+            <a:r>
+              <a:rPr lang="en-US" altLang="zh-CN" dirty="0"/>
+              <a:t>c(n, n’) </a:t>
+            </a:r>
+            <a:r>
+              <a:rPr lang="zh-CN" altLang="en-US" dirty="0"/>
+              <a:t>表示从节点 </a:t>
+            </a:r>
+            <a:r>
+              <a:rPr lang="en-US" altLang="zh-CN" dirty="0"/>
+              <a:t>n </a:t>
+            </a:r>
+            <a:r>
+              <a:rPr lang="zh-CN" altLang="en-US" dirty="0"/>
+              <a:t>到后继节点 </a:t>
+            </a:r>
+            <a:r>
+              <a:rPr lang="en-US" altLang="zh-CN" dirty="0"/>
+              <a:t>n‘ </a:t>
+            </a:r>
+            <a:r>
+              <a:rPr lang="zh-CN" altLang="en-US" dirty="0"/>
+              <a:t>的实际距离。</a:t>
+            </a:r>
+            <a:endParaRPr lang="en-US" altLang="zh-CN" dirty="0"/>
+          </a:p>
+          <a:p>
+            <a:pPr>
+              <a:lnSpc>
+                <a:spcPct val="150000"/>
+              </a:lnSpc>
+            </a:pPr>
+            <a:r>
+              <a:rPr lang="zh-CN" altLang="en-US" dirty="0"/>
+              <a:t>换言之，</a:t>
+            </a:r>
+            <a:r>
+              <a:rPr lang="en-US" altLang="zh-CN" dirty="0"/>
+              <a:t>f(n) &lt;= f(n’)</a:t>
+            </a:r>
+            <a:endParaRPr lang="zh-CN" altLang="en-US" dirty="0"/>
+          </a:p>
+        </p:txBody>
+      </p:sp>
     </p:spTree>
     <p:extLst>
       <p:ext uri="{BB962C8B-B14F-4D97-AF65-F5344CB8AC3E}">
-        <p14:creationId xmlns:p14="http://schemas.microsoft.com/office/powerpoint/2010/main" val="3325141037"/>
+        <p14:creationId xmlns:p14="http://schemas.microsoft.com/office/powerpoint/2010/main" val="606324815"/>
       </p:ext>
     </p:extLst>
   </p:cSld>
@@ -6151,7 +5715,7 @@
           <p:cNvPr id="2" name="标题 1">
             <a:extLst>
               <a:ext uri="{FF2B5EF4-FFF2-40B4-BE49-F238E27FC236}">
-                <a16:creationId xmlns:a16="http://schemas.microsoft.com/office/drawing/2014/main" id="{0648C439-2557-4B6E-8D08-62037E045AA5}"/>
+                <a16:creationId xmlns:a16="http://schemas.microsoft.com/office/drawing/2014/main" id="{7DECDD78-8D43-4B94-BB78-646E936603EB}"/>
               </a:ext>
             </a:extLst>
           </p:cNvPr>
@@ -6162,17 +5726,45 @@
             <p:ph type="title"/>
           </p:nvPr>
         </p:nvSpPr>
-        <p:spPr/>
-        <p:txBody>
-          <a:bodyPr/>
-          <a:lstStyle/>
-          <a:p>
+        <p:spPr>
+          <a:xfrm>
+            <a:off x="838200" y="93519"/>
+            <a:ext cx="10515600" cy="831272"/>
+          </a:xfrm>
+        </p:spPr>
+        <p:txBody>
+          <a:bodyPr>
+            <a:normAutofit/>
+          </a:bodyPr>
+          <a:lstStyle/>
+          <a:p>
+            <a:r>
+              <a:rPr lang="zh-CN" altLang="en-US" dirty="0">
+                <a:latin typeface="微软雅黑" panose="020B0503020204020204" pitchFamily="34" charset="-122"/>
+                <a:ea typeface="微软雅黑" panose="020B0503020204020204" pitchFamily="34" charset="-122"/>
+              </a:rPr>
+              <a:t>证明</a:t>
+            </a:r>
             <a:r>
               <a:rPr lang="en-US" altLang="zh-CN" dirty="0">
                 <a:latin typeface="微软雅黑" panose="020B0503020204020204" pitchFamily="34" charset="-122"/>
                 <a:ea typeface="微软雅黑" panose="020B0503020204020204" pitchFamily="34" charset="-122"/>
               </a:rPr>
-              <a:t>Low-level of CBS</a:t>
+              <a:t>(</a:t>
+            </a:r>
+            <a:r>
+              <a:rPr lang="zh-CN" altLang="en-US" dirty="0">
+                <a:latin typeface="微软雅黑" panose="020B0503020204020204" pitchFamily="34" charset="-122"/>
+                <a:ea typeface="微软雅黑" panose="020B0503020204020204" pitchFamily="34" charset="-122"/>
+              </a:rPr>
+              <a:t>反证法</a:t>
+            </a:r>
+            <a:r>
+              <a:rPr lang="en-US" altLang="zh-CN" dirty="0">
+                <a:latin typeface="微软雅黑" panose="020B0503020204020204" pitchFamily="34" charset="-122"/>
+                <a:ea typeface="微软雅黑" panose="020B0503020204020204" pitchFamily="34" charset="-122"/>
+              </a:rPr>
+              <a:t>)</a:t>
             </a:r>
             <a:endParaRPr lang="zh-CN" altLang="en-US" dirty="0">
               <a:latin typeface="微软雅黑" panose="020B0503020204020204" pitchFamily="34" charset="-122"/>
@@ -6186,20 +5778,27 @@
           <p:cNvPr id="3" name="内容占位符 2">
             <a:extLst>
               <a:ext uri="{FF2B5EF4-FFF2-40B4-BE49-F238E27FC236}">
-                <a16:creationId xmlns:a16="http://schemas.microsoft.com/office/drawing/2014/main" id="{198D5027-D62A-4AD9-80AD-D702E6DB7265}"/>
-              </a:ext>
-            </a:extLst>
-          </p:cNvPr>
-          <p:cNvSpPr>
-            <a:spLocks noGrp="1"/>
-          </p:cNvSpPr>
-          <p:nvPr>
-            <p:ph idx="1"/>
-          </p:nvPr>
-        </p:nvSpPr>
-        <p:spPr/>
-        <p:txBody>
-          <a:bodyPr/>
+                <a16:creationId xmlns:a16="http://schemas.microsoft.com/office/drawing/2014/main" id="{6D825484-9408-4247-B95D-E5705CC8E342}"/>
+              </a:ext>
+            </a:extLst>
+          </p:cNvPr>
+          <p:cNvSpPr>
+            <a:spLocks noGrp="1"/>
+          </p:cNvSpPr>
+          <p:nvPr>
+            <p:ph sz="half" idx="1"/>
+          </p:nvPr>
+        </p:nvSpPr>
+        <p:spPr>
+          <a:xfrm>
+            <a:off x="249381" y="1007918"/>
+            <a:ext cx="7928264" cy="5569527"/>
+          </a:xfrm>
+        </p:spPr>
+        <p:txBody>
+          <a:bodyPr>
+            <a:normAutofit fontScale="92500" lnSpcReduction="20000"/>
+          </a:bodyPr>
           <a:lstStyle/>
           <a:p>
             <a:pPr>
@@ -6208,34 +5807,181 @@
               </a:lnSpc>
             </a:pPr>
             <a:r>
-              <a:rPr lang="zh-CN" altLang="en-US" dirty="0"/>
-              <a:t>低层</a:t>
-            </a:r>
-            <a:r>
-              <a:rPr lang="en-US" altLang="zh-CN" dirty="0"/>
-              <a:t>CBS</a:t>
-            </a:r>
-            <a:r>
-              <a:rPr lang="zh-CN" altLang="en-US" dirty="0"/>
-              <a:t>给定一个智能体</a:t>
-            </a:r>
-            <a:r>
-              <a:rPr lang="en-US" altLang="zh-CN" dirty="0"/>
-              <a:t>ai</a:t>
-            </a:r>
-            <a:r>
-              <a:rPr lang="zh-CN" altLang="en-US" dirty="0"/>
-              <a:t>和一组相关的约束。它根据约束条件在图中进行搜索，为智能体</a:t>
-            </a:r>
-            <a:r>
-              <a:rPr lang="en-US" altLang="zh-CN" dirty="0"/>
-              <a:t>ai</a:t>
-            </a:r>
-            <a:r>
-              <a:rPr lang="zh-CN" altLang="en-US" dirty="0"/>
-              <a:t>找到一个最优路径。</a:t>
-            </a:r>
-            <a:endParaRPr lang="en-US" altLang="zh-CN" dirty="0"/>
+              <a:rPr lang="zh-CN" altLang="en-US" sz="2000" dirty="0"/>
+              <a:t>假设</a:t>
+            </a:r>
+            <a:r>
+              <a:rPr lang="en-US" altLang="zh-CN" sz="2000" dirty="0"/>
+              <a:t>A*</a:t>
+            </a:r>
+            <a:r>
+              <a:rPr lang="zh-CN" altLang="en-US" sz="2000" dirty="0"/>
+              <a:t>生成的路径是</a:t>
+            </a:r>
+            <a:r>
+              <a:rPr lang="en-US" altLang="zh-CN" sz="2000" dirty="0"/>
+              <a:t>p, </a:t>
+            </a:r>
+            <a:r>
+              <a:rPr lang="zh-CN" altLang="en-US" sz="2000" dirty="0"/>
+              <a:t>终点记为</a:t>
+            </a:r>
+            <a:r>
+              <a:rPr lang="en-US" altLang="zh-CN" sz="2000" dirty="0" err="1"/>
+              <a:t>dest</a:t>
+            </a:r>
+            <a:r>
+              <a:rPr lang="en-US" altLang="zh-CN" sz="2000" dirty="0"/>
+              <a:t>, </a:t>
+            </a:r>
+            <a:r>
+              <a:rPr lang="zh-CN" altLang="en-US" sz="2000" dirty="0"/>
+              <a:t>在</a:t>
+            </a:r>
+            <a:r>
+              <a:rPr lang="en-US" altLang="zh-CN" sz="2000" dirty="0"/>
+              <a:t>p</a:t>
+            </a:r>
+            <a:r>
+              <a:rPr lang="zh-CN" altLang="en-US" sz="2000" dirty="0"/>
+              <a:t>外有一个最优解</a:t>
+            </a:r>
+            <a:r>
+              <a:rPr lang="en-US" altLang="zh-CN" sz="2000" dirty="0"/>
+              <a:t>q, </a:t>
+            </a:r>
+            <a:r>
+              <a:rPr lang="zh-CN" altLang="en-US" sz="2000" dirty="0"/>
+              <a:t>记路径</a:t>
+            </a:r>
+            <a:r>
+              <a:rPr lang="en-US" altLang="zh-CN" sz="2000" dirty="0"/>
+              <a:t>p</a:t>
+            </a:r>
+            <a:r>
+              <a:rPr lang="zh-CN" altLang="en-US" sz="2000" dirty="0"/>
+              <a:t>和</a:t>
+            </a:r>
+            <a:r>
+              <a:rPr lang="en-US" altLang="zh-CN" sz="2000" dirty="0"/>
+              <a:t>q</a:t>
+            </a:r>
+            <a:r>
+              <a:rPr lang="zh-CN" altLang="en-US" sz="2000" dirty="0"/>
+              <a:t>的第一个交点是</a:t>
+            </a:r>
+            <a:r>
+              <a:rPr lang="en-US" altLang="zh-CN" sz="2000" dirty="0"/>
+              <a:t>A, q</a:t>
+            </a:r>
+            <a:r>
+              <a:rPr lang="zh-CN" altLang="en-US" sz="2000" dirty="0"/>
+              <a:t>路径上</a:t>
+            </a:r>
+            <a:r>
+              <a:rPr lang="en-US" altLang="zh-CN" sz="2000" dirty="0"/>
+              <a:t>A</a:t>
+            </a:r>
+            <a:r>
+              <a:rPr lang="zh-CN" altLang="en-US" sz="2000" dirty="0"/>
+              <a:t>的下一个节点是</a:t>
+            </a:r>
+            <a:r>
+              <a:rPr lang="en-US" altLang="zh-CN" sz="2000" dirty="0"/>
+              <a:t>B. </a:t>
+            </a:r>
+            <a:r>
+              <a:rPr lang="zh-CN" altLang="en-US" sz="2000" dirty="0"/>
+              <a:t>记路径</a:t>
+            </a:r>
+            <a:r>
+              <a:rPr lang="en-US" altLang="zh-CN" sz="2000" dirty="0"/>
+              <a:t>p</a:t>
+            </a:r>
+            <a:r>
+              <a:rPr lang="zh-CN" altLang="en-US" sz="2000" dirty="0"/>
+              <a:t>的总长度为</a:t>
+            </a:r>
+            <a:r>
+              <a:rPr lang="en-US" altLang="zh-CN" sz="2000" dirty="0" err="1"/>
+              <a:t>fp</a:t>
+            </a:r>
+            <a:r>
+              <a:rPr lang="en-US" altLang="zh-CN" sz="2000" dirty="0"/>
+              <a:t>(</a:t>
+            </a:r>
+            <a:r>
+              <a:rPr lang="en-US" altLang="zh-CN" sz="2000" dirty="0" err="1"/>
+              <a:t>dest</a:t>
+            </a:r>
+            <a:r>
+              <a:rPr lang="en-US" altLang="zh-CN" sz="2000" dirty="0"/>
+              <a:t>),  </a:t>
+            </a:r>
+            <a:r>
+              <a:rPr lang="zh-CN" altLang="en-US" sz="2000" dirty="0"/>
+              <a:t>路径</a:t>
+            </a:r>
+            <a:r>
+              <a:rPr lang="en-US" altLang="zh-CN" sz="2000" dirty="0"/>
+              <a:t>q</a:t>
+            </a:r>
+            <a:r>
+              <a:rPr lang="zh-CN" altLang="en-US" sz="2000" dirty="0"/>
+              <a:t>的总长度为</a:t>
+            </a:r>
+            <a:r>
+              <a:rPr lang="en-US" altLang="zh-CN" sz="2000" dirty="0" err="1"/>
+              <a:t>fq</a:t>
+            </a:r>
+            <a:r>
+              <a:rPr lang="en-US" altLang="zh-CN" sz="2000" dirty="0"/>
+              <a:t>(</a:t>
+            </a:r>
+            <a:r>
+              <a:rPr lang="en-US" altLang="zh-CN" sz="2000" dirty="0" err="1"/>
+              <a:t>dest</a:t>
+            </a:r>
+            <a:r>
+              <a:rPr lang="en-US" altLang="zh-CN" sz="2000" dirty="0"/>
+              <a:t>). </a:t>
+            </a:r>
+            <a:r>
+              <a:rPr lang="zh-CN" altLang="en-US" sz="2000" dirty="0"/>
+              <a:t>由于</a:t>
+            </a:r>
+            <a:r>
+              <a:rPr lang="en-US" altLang="zh-CN" sz="2000" dirty="0"/>
+              <a:t>B</a:t>
+            </a:r>
+            <a:r>
+              <a:rPr lang="zh-CN" altLang="en-US" sz="2000" dirty="0"/>
+              <a:t>是</a:t>
+            </a:r>
+            <a:r>
+              <a:rPr lang="en-US" altLang="zh-CN" sz="2000" dirty="0"/>
+              <a:t>A</a:t>
+            </a:r>
+            <a:r>
+              <a:rPr lang="zh-CN" altLang="en-US" sz="2000" dirty="0"/>
+              <a:t>的邻居，所以</a:t>
+            </a:r>
+            <a:r>
+              <a:rPr lang="en-US" altLang="zh-CN" sz="2000" dirty="0"/>
+              <a:t>B</a:t>
+            </a:r>
+            <a:r>
+              <a:rPr lang="zh-CN" altLang="en-US" sz="2000" dirty="0"/>
+              <a:t>在</a:t>
+            </a:r>
+            <a:r>
+              <a:rPr lang="en-US" altLang="zh-CN" sz="2000" dirty="0"/>
+              <a:t>open list</a:t>
+            </a:r>
+            <a:r>
+              <a:rPr lang="zh-CN" altLang="en-US" sz="2000" dirty="0"/>
+              <a:t>中。</a:t>
+            </a:r>
           </a:p>
           <a:p>
             <a:pPr>
@@ -6244,10 +5990,152 @@
               </a:lnSpc>
             </a:pPr>
             <a:r>
-              <a:rPr lang="zh-CN" altLang="en-US" dirty="0"/>
-              <a:t>约束是三维的，因为它包括两个空间维度和一个时间维度。</a:t>
-            </a:r>
-            <a:endParaRPr lang="en-US" altLang="zh-CN" dirty="0"/>
+              <a:rPr lang="zh-CN" altLang="en-US" sz="2000" dirty="0"/>
+              <a:t>由于路径</a:t>
+            </a:r>
+            <a:r>
+              <a:rPr lang="en-US" altLang="zh-CN" sz="2000" dirty="0"/>
+              <a:t>q</a:t>
+            </a:r>
+            <a:r>
+              <a:rPr lang="zh-CN" altLang="en-US" sz="2000" dirty="0"/>
+              <a:t>优于</a:t>
+            </a:r>
+            <a:r>
+              <a:rPr lang="en-US" altLang="zh-CN" sz="2000" dirty="0"/>
+              <a:t>p, </a:t>
+            </a:r>
+            <a:r>
+              <a:rPr lang="zh-CN" altLang="en-US" sz="2000" dirty="0"/>
+              <a:t>所以</a:t>
+            </a:r>
+            <a:r>
+              <a:rPr lang="en-US" altLang="zh-CN" sz="2000" dirty="0" err="1"/>
+              <a:t>fq</a:t>
+            </a:r>
+            <a:r>
+              <a:rPr lang="en-US" altLang="zh-CN" sz="2000" dirty="0"/>
+              <a:t>(</a:t>
+            </a:r>
+            <a:r>
+              <a:rPr lang="en-US" altLang="zh-CN" sz="2000" dirty="0" err="1"/>
+              <a:t>dest</a:t>
+            </a:r>
+            <a:r>
+              <a:rPr lang="en-US" altLang="zh-CN" sz="2000" dirty="0"/>
+              <a:t>) &lt; </a:t>
+            </a:r>
+            <a:r>
+              <a:rPr lang="en-US" altLang="zh-CN" sz="2000" dirty="0" err="1"/>
+              <a:t>fp</a:t>
+            </a:r>
+            <a:r>
+              <a:rPr lang="en-US" altLang="zh-CN" sz="2000" dirty="0"/>
+              <a:t>(</a:t>
+            </a:r>
+            <a:r>
+              <a:rPr lang="en-US" altLang="zh-CN" sz="2000" dirty="0" err="1"/>
+              <a:t>dest</a:t>
+            </a:r>
+            <a:r>
+              <a:rPr lang="en-US" altLang="zh-CN" sz="2000" dirty="0"/>
+              <a:t>)  (1)</a:t>
+            </a:r>
+          </a:p>
+          <a:p>
+            <a:pPr marL="0" indent="0">
+              <a:lnSpc>
+                <a:spcPct val="150000"/>
+              </a:lnSpc>
+              <a:buNone/>
+            </a:pPr>
+            <a:r>
+              <a:rPr lang="zh-CN" altLang="en-US" sz="2000" dirty="0"/>
+              <a:t>   根据一致性原则，路径</a:t>
+            </a:r>
+            <a:r>
+              <a:rPr lang="en-US" altLang="zh-CN" sz="2000" dirty="0"/>
+              <a:t>q</a:t>
+            </a:r>
+            <a:r>
+              <a:rPr lang="zh-CN" altLang="en-US" sz="2000" dirty="0"/>
+              <a:t>在点</a:t>
+            </a:r>
+            <a:r>
+              <a:rPr lang="en-US" altLang="zh-CN" sz="2000" dirty="0"/>
+              <a:t>B</a:t>
+            </a:r>
+            <a:r>
+              <a:rPr lang="zh-CN" altLang="en-US" sz="2000" dirty="0"/>
+              <a:t>处的估计值</a:t>
+            </a:r>
+            <a:r>
+              <a:rPr lang="en-US" altLang="zh-CN" sz="2000" dirty="0" err="1"/>
+              <a:t>fq</a:t>
+            </a:r>
+            <a:r>
+              <a:rPr lang="en-US" altLang="zh-CN" sz="2000" dirty="0"/>
+              <a:t>(B) &lt; </a:t>
+            </a:r>
+            <a:r>
+              <a:rPr lang="en-US" altLang="zh-CN" sz="2000" dirty="0" err="1"/>
+              <a:t>fq</a:t>
+            </a:r>
+            <a:r>
+              <a:rPr lang="en-US" altLang="zh-CN" sz="2000" dirty="0"/>
+              <a:t>(</a:t>
+            </a:r>
+            <a:r>
+              <a:rPr lang="en-US" altLang="zh-CN" sz="2000" dirty="0" err="1"/>
+              <a:t>dest</a:t>
+            </a:r>
+            <a:r>
+              <a:rPr lang="en-US" altLang="zh-CN" sz="2000" dirty="0"/>
+              <a:t>)  (2)  </a:t>
+            </a:r>
+            <a:br>
+              <a:rPr lang="en-US" altLang="zh-CN" sz="2000" dirty="0"/>
+            </a:br>
+            <a:r>
+              <a:rPr lang="en-US" altLang="zh-CN" sz="2000" dirty="0"/>
+              <a:t>   </a:t>
+            </a:r>
+            <a:r>
+              <a:rPr lang="zh-CN" altLang="en-US" sz="2000" dirty="0"/>
+              <a:t>联立</a:t>
+            </a:r>
+            <a:r>
+              <a:rPr lang="en-US" altLang="zh-CN" sz="2000" dirty="0"/>
+              <a:t>(1)(2), </a:t>
+            </a:r>
+            <a:r>
+              <a:rPr lang="zh-CN" altLang="en-US" sz="2000" dirty="0"/>
+              <a:t>得出</a:t>
+            </a:r>
+            <a:r>
+              <a:rPr lang="en-US" altLang="zh-CN" sz="2000" dirty="0" err="1"/>
+              <a:t>fq</a:t>
+            </a:r>
+            <a:r>
+              <a:rPr lang="en-US" altLang="zh-CN" sz="2000" dirty="0"/>
+              <a:t>(B) &lt; </a:t>
+            </a:r>
+            <a:r>
+              <a:rPr lang="en-US" altLang="zh-CN" sz="2000" dirty="0" err="1"/>
+              <a:t>fp</a:t>
+            </a:r>
+            <a:r>
+              <a:rPr lang="en-US" altLang="zh-CN" sz="2000" dirty="0"/>
+              <a:t>(</a:t>
+            </a:r>
+            <a:r>
+              <a:rPr lang="en-US" altLang="zh-CN" sz="2000" dirty="0" err="1"/>
+              <a:t>dest</a:t>
+            </a:r>
+            <a:r>
+              <a:rPr lang="en-US" altLang="zh-CN" sz="2000" dirty="0"/>
+              <a:t>)</a:t>
+            </a:r>
           </a:p>
           <a:p>
             <a:pPr>
@@ -6256,48 +6144,271 @@
               </a:lnSpc>
             </a:pPr>
             <a:r>
-              <a:rPr lang="zh-CN" altLang="en-US" dirty="0"/>
-              <a:t>可以使用任何单智能体路径规划算法</a:t>
-            </a:r>
-            <a:r>
-              <a:rPr lang="en-US" altLang="zh-CN" dirty="0"/>
+              <a:rPr lang="zh-CN" altLang="en-US" sz="2000" dirty="0"/>
+              <a:t>所以，当</a:t>
+            </a:r>
+            <a:r>
+              <a:rPr lang="en-US" altLang="zh-CN" sz="2000" dirty="0"/>
+              <a:t>A*</a:t>
+            </a:r>
+            <a:r>
+              <a:rPr lang="zh-CN" altLang="en-US" sz="2000" dirty="0"/>
+              <a:t>生成的路径</a:t>
+            </a:r>
+            <a:r>
+              <a:rPr lang="en-US" altLang="zh-CN" sz="2000" dirty="0"/>
+              <a:t>p</a:t>
+            </a:r>
+            <a:r>
+              <a:rPr lang="zh-CN" altLang="en-US" sz="2000" dirty="0"/>
+              <a:t>由节点</a:t>
+            </a:r>
+            <a:r>
+              <a:rPr lang="en-US" altLang="zh-CN" sz="2000" dirty="0"/>
+              <a:t>B</a:t>
+            </a:r>
+            <a:r>
+              <a:rPr lang="zh-CN" altLang="en-US" sz="2000" dirty="0"/>
+              <a:t>向终点</a:t>
+            </a:r>
+            <a:r>
+              <a:rPr lang="en-US" altLang="zh-CN" sz="2000" dirty="0" err="1"/>
+              <a:t>dest</a:t>
+            </a:r>
+            <a:r>
+              <a:rPr lang="zh-CN" altLang="en-US" sz="2000" dirty="0"/>
+              <a:t>扩展的判断中，由于</a:t>
+            </a:r>
+            <a:r>
+              <a:rPr lang="en-US" altLang="zh-CN" sz="2000" dirty="0" err="1"/>
+              <a:t>fq</a:t>
+            </a:r>
+            <a:r>
+              <a:rPr lang="en-US" altLang="zh-CN" sz="2000" dirty="0"/>
+              <a:t>(B) &lt; </a:t>
+            </a:r>
+            <a:r>
+              <a:rPr lang="en-US" altLang="zh-CN" sz="2000" dirty="0" err="1"/>
+              <a:t>fp</a:t>
+            </a:r>
+            <a:r>
+              <a:rPr lang="en-US" altLang="zh-CN" sz="2000" dirty="0"/>
               <a:t>(</a:t>
             </a:r>
             <a:r>
-              <a:rPr lang="zh-CN" altLang="en-US" dirty="0"/>
-              <a:t>如</a:t>
-            </a:r>
-            <a:r>
-              <a:rPr lang="en-US" altLang="zh-CN" dirty="0"/>
+              <a:rPr lang="en-US" altLang="zh-CN" sz="2000" dirty="0" err="1"/>
+              <a:t>dest</a:t>
+            </a:r>
+            <a:r>
+              <a:rPr lang="en-US" altLang="zh-CN" sz="2000" dirty="0"/>
+              <a:t>)</a:t>
+            </a:r>
+            <a:r>
+              <a:rPr lang="zh-CN" altLang="en-US" sz="2000" dirty="0"/>
+              <a:t>，所以从</a:t>
+            </a:r>
+            <a:r>
+              <a:rPr lang="en-US" altLang="zh-CN" sz="2000" dirty="0"/>
+              <a:t>open list</a:t>
+            </a:r>
+            <a:r>
+              <a:rPr lang="zh-CN" altLang="en-US" sz="2000" dirty="0"/>
+              <a:t>中取出的节点是路径</a:t>
+            </a:r>
+            <a:r>
+              <a:rPr lang="en-US" altLang="zh-CN" sz="2000" dirty="0"/>
+              <a:t>q</a:t>
+            </a:r>
+            <a:r>
+              <a:rPr lang="zh-CN" altLang="en-US" sz="2000" dirty="0"/>
+              <a:t>上的节点</a:t>
+            </a:r>
+            <a:r>
+              <a:rPr lang="en-US" altLang="zh-CN" sz="2000" dirty="0"/>
+              <a:t>B</a:t>
+            </a:r>
+            <a:r>
+              <a:rPr lang="zh-CN" altLang="en-US" sz="2000" dirty="0"/>
+              <a:t>而不是路径</a:t>
+            </a:r>
+            <a:r>
+              <a:rPr lang="en-US" altLang="zh-CN" sz="2000" dirty="0"/>
+              <a:t>p</a:t>
+            </a:r>
+            <a:r>
+              <a:rPr lang="zh-CN" altLang="en-US" sz="2000" dirty="0"/>
+              <a:t>的终点</a:t>
+            </a:r>
+            <a:r>
+              <a:rPr lang="en-US" altLang="zh-CN" sz="2000" dirty="0" err="1"/>
+              <a:t>dest</a:t>
+            </a:r>
+            <a:r>
+              <a:rPr lang="en-US" altLang="zh-CN" sz="2000" dirty="0"/>
+              <a:t>. </a:t>
+            </a:r>
+            <a:r>
+              <a:rPr lang="zh-CN" altLang="en-US" sz="2000" dirty="0"/>
+              <a:t>由于</a:t>
+            </a:r>
+            <a:r>
+              <a:rPr lang="en-US" altLang="zh-CN" sz="2000" dirty="0"/>
+              <a:t>Q</a:t>
+            </a:r>
+            <a:r>
+              <a:rPr lang="zh-CN" altLang="en-US" sz="2000" dirty="0"/>
+              <a:t>路径上所有的点都满足</a:t>
+            </a:r>
+            <a:r>
+              <a:rPr lang="en-US" altLang="zh-CN" sz="2000" dirty="0" err="1"/>
+              <a:t>fq</a:t>
+            </a:r>
+            <a:r>
+              <a:rPr lang="en-US" altLang="zh-CN" sz="2000" dirty="0"/>
+              <a:t>(</a:t>
+            </a:r>
+            <a:r>
+              <a:rPr lang="en-US" altLang="zh-CN" sz="2000" dirty="0" err="1"/>
+              <a:t>Bq</a:t>
+            </a:r>
+            <a:r>
+              <a:rPr lang="en-US" altLang="zh-CN" sz="2000" dirty="0"/>
+              <a:t>) &lt; </a:t>
+            </a:r>
+            <a:r>
+              <a:rPr lang="en-US" altLang="zh-CN" sz="2000" dirty="0" err="1"/>
+              <a:t>fp</a:t>
+            </a:r>
+            <a:r>
+              <a:rPr lang="en-US" altLang="zh-CN" sz="2000" dirty="0"/>
+              <a:t>(</a:t>
+            </a:r>
+            <a:r>
+              <a:rPr lang="en-US" altLang="zh-CN" sz="2000" dirty="0" err="1"/>
+              <a:t>dest</a:t>
+            </a:r>
+            <a:r>
+              <a:rPr lang="en-US" altLang="zh-CN" sz="2000" dirty="0"/>
+              <a:t>), </a:t>
+            </a:r>
+            <a:r>
+              <a:rPr lang="zh-CN" altLang="en-US" sz="2000" dirty="0"/>
+              <a:t>所以</a:t>
+            </a:r>
+            <a:r>
+              <a:rPr lang="en-US" altLang="zh-CN" sz="2000" dirty="0" err="1"/>
+              <a:t>open_list</a:t>
+            </a:r>
+            <a:r>
+              <a:rPr lang="zh-CN" altLang="en-US" sz="2000" dirty="0"/>
+              <a:t>中路径</a:t>
+            </a:r>
+            <a:r>
+              <a:rPr lang="en-US" altLang="zh-CN" sz="2000" dirty="0"/>
+              <a:t>q</a:t>
+            </a:r>
+            <a:r>
+              <a:rPr lang="zh-CN" altLang="en-US" sz="2000" dirty="0"/>
+              <a:t>上的节点将一直排在路径</a:t>
+            </a:r>
+            <a:r>
+              <a:rPr lang="en-US" altLang="zh-CN" sz="2000" dirty="0"/>
+              <a:t>p</a:t>
+            </a:r>
+            <a:r>
+              <a:rPr lang="zh-CN" altLang="en-US" sz="2000" dirty="0"/>
+              <a:t>的终点</a:t>
+            </a:r>
+            <a:r>
+              <a:rPr lang="en-US" altLang="zh-CN" sz="2000" dirty="0" err="1"/>
+              <a:t>dest</a:t>
+            </a:r>
+            <a:r>
+              <a:rPr lang="zh-CN" altLang="en-US" sz="2000" dirty="0"/>
+              <a:t>前面，这意味着</a:t>
+            </a:r>
+            <a:r>
+              <a:rPr lang="en-US" altLang="zh-CN" sz="2000" dirty="0"/>
+              <a:t>p</a:t>
+            </a:r>
+            <a:r>
+              <a:rPr lang="zh-CN" altLang="en-US" sz="2000" dirty="0"/>
+              <a:t>路径上的</a:t>
+            </a:r>
+            <a:r>
+              <a:rPr lang="en-US" altLang="zh-CN" sz="2000" dirty="0" err="1"/>
+              <a:t>dest</a:t>
+            </a:r>
+            <a:r>
+              <a:rPr lang="zh-CN" altLang="en-US" sz="2000" dirty="0"/>
+              <a:t>在路径</a:t>
+            </a:r>
+            <a:r>
+              <a:rPr lang="en-US" altLang="zh-CN" sz="2000" dirty="0"/>
+              <a:t>q</a:t>
+            </a:r>
+            <a:r>
+              <a:rPr lang="zh-CN" altLang="en-US" sz="2000" dirty="0"/>
+              <a:t>完成之前无法被</a:t>
+            </a:r>
+            <a:r>
+              <a:rPr lang="en-US" altLang="zh-CN" sz="2000" dirty="0"/>
+              <a:t>open list</a:t>
+            </a:r>
+            <a:r>
+              <a:rPr lang="zh-CN" altLang="en-US" sz="2000" dirty="0"/>
+              <a:t>取出。与</a:t>
+            </a:r>
+            <a:r>
+              <a:rPr lang="en-US" altLang="zh-CN" sz="2000" dirty="0"/>
               <a:t>A*</a:t>
             </a:r>
             <a:r>
-              <a:rPr lang="zh-CN" altLang="en-US" dirty="0"/>
-              <a:t>算法</a:t>
-            </a:r>
-            <a:r>
-              <a:rPr lang="en-US" altLang="zh-CN" dirty="0"/>
-              <a:t>)</a:t>
-            </a:r>
-            <a:r>
-              <a:rPr lang="zh-CN" altLang="en-US" dirty="0"/>
-              <a:t>来找到满足约束的智能体</a:t>
-            </a:r>
-            <a:r>
-              <a:rPr lang="en-US" altLang="zh-CN" dirty="0"/>
-              <a:t>ai</a:t>
-            </a:r>
-            <a:r>
-              <a:rPr lang="zh-CN" altLang="en-US" dirty="0"/>
-              <a:t>的路径。</a:t>
-            </a:r>
-          </a:p>
-        </p:txBody>
-      </p:sp>
+              <a:rPr lang="zh-CN" altLang="en-US" sz="2000" dirty="0"/>
+              <a:t>生成最短路径矛盾。</a:t>
+            </a:r>
+          </a:p>
+        </p:txBody>
+      </p:sp>
+      <p:pic>
+        <p:nvPicPr>
+          <p:cNvPr id="16" name="内容占位符 15">
+            <a:extLst>
+              <a:ext uri="{FF2B5EF4-FFF2-40B4-BE49-F238E27FC236}">
+                <a16:creationId xmlns:a16="http://schemas.microsoft.com/office/drawing/2014/main" id="{96CE4EDD-CF86-49A6-A6E4-B5625CA0D1F1}"/>
+              </a:ext>
+            </a:extLst>
+          </p:cNvPr>
+          <p:cNvPicPr>
+            <a:picLocks noGrp="1" noChangeAspect="1"/>
+          </p:cNvPicPr>
+          <p:nvPr>
+            <p:ph sz="half" idx="2"/>
+          </p:nvPr>
+        </p:nvPicPr>
+        <p:blipFill>
+          <a:blip r:embed="rId3">
+            <a:extLst>
+              <a:ext uri="{28A0092B-C50C-407E-A947-70E740481C1C}">
+                <a14:useLocalDpi xmlns:a14="http://schemas.microsoft.com/office/drawing/2010/main" val="0"/>
+              </a:ext>
+            </a:extLst>
+          </a:blip>
+          <a:stretch>
+            <a:fillRect/>
+          </a:stretch>
+        </p:blipFill>
+        <p:spPr>
+          <a:xfrm>
+            <a:off x="8905010" y="924791"/>
+            <a:ext cx="2293360" cy="5109767"/>
+          </a:xfrm>
+        </p:spPr>
+      </p:pic>
     </p:spTree>
     <p:extLst>
       <p:ext uri="{BB962C8B-B14F-4D97-AF65-F5344CB8AC3E}">
-        <p14:creationId xmlns:p14="http://schemas.microsoft.com/office/powerpoint/2010/main" val="3119783395"/>
+        <p14:creationId xmlns:p14="http://schemas.microsoft.com/office/powerpoint/2010/main" val="3169940923"/>
       </p:ext>
     </p:extLst>
   </p:cSld>
@@ -6326,18 +6437,18 @@
       </p:grpSpPr>
       <p:sp>
         <p:nvSpPr>
-          <p:cNvPr id="2" name="标题 1">
-            <a:extLst>
-              <a:ext uri="{FF2B5EF4-FFF2-40B4-BE49-F238E27FC236}">
-                <a16:creationId xmlns:a16="http://schemas.microsoft.com/office/drawing/2014/main" id="{4CE91B4A-9DF0-4EC9-9490-7E8D8F44AAE1}"/>
-              </a:ext>
-            </a:extLst>
-          </p:cNvPr>
-          <p:cNvSpPr>
-            <a:spLocks noGrp="1"/>
-          </p:cNvSpPr>
-          <p:nvPr>
-            <p:ph type="title"/>
+          <p:cNvPr id="4" name="标题 3">
+            <a:extLst>
+              <a:ext uri="{FF2B5EF4-FFF2-40B4-BE49-F238E27FC236}">
+                <a16:creationId xmlns:a16="http://schemas.microsoft.com/office/drawing/2014/main" id="{06503859-AC69-4296-84BE-FF792C764EB7}"/>
+              </a:ext>
+            </a:extLst>
+          </p:cNvPr>
+          <p:cNvSpPr>
+            <a:spLocks noGrp="1"/>
+          </p:cNvSpPr>
+          <p:nvPr>
+            <p:ph type="ctrTitle"/>
           </p:nvPr>
         </p:nvSpPr>
         <p:spPr/>
@@ -6350,32 +6461,29 @@
                 <a:latin typeface="微软雅黑" panose="020B0503020204020204" pitchFamily="34" charset="-122"/>
                 <a:ea typeface="微软雅黑" panose="020B0503020204020204" pitchFamily="34" charset="-122"/>
               </a:rPr>
-              <a:t>Conflict-Based Search</a:t>
-            </a:r>
-            <a:r>
-              <a:rPr lang="zh-CN" altLang="en-US" dirty="0">
-                <a:latin typeface="微软雅黑" panose="020B0503020204020204" pitchFamily="34" charset="-122"/>
-                <a:ea typeface="微软雅黑" panose="020B0503020204020204" pitchFamily="34" charset="-122"/>
-              </a:rPr>
-              <a:t>总结</a:t>
-            </a:r>
-          </a:p>
-        </p:txBody>
-      </p:sp>
-      <p:sp>
-        <p:nvSpPr>
-          <p:cNvPr id="3" name="内容占位符 2">
-            <a:extLst>
-              <a:ext uri="{FF2B5EF4-FFF2-40B4-BE49-F238E27FC236}">
-                <a16:creationId xmlns:a16="http://schemas.microsoft.com/office/drawing/2014/main" id="{863F54CF-AD0F-415F-B37F-BD3A18C331A4}"/>
-              </a:ext>
-            </a:extLst>
-          </p:cNvPr>
-          <p:cNvSpPr>
-            <a:spLocks noGrp="1"/>
-          </p:cNvSpPr>
-          <p:nvPr>
-            <p:ph idx="1"/>
+              <a:t>Q &amp; A</a:t>
+            </a:r>
+            <a:endParaRPr lang="zh-CN" altLang="en-US" dirty="0">
+              <a:latin typeface="微软雅黑" panose="020B0503020204020204" pitchFamily="34" charset="-122"/>
+              <a:ea typeface="微软雅黑" panose="020B0503020204020204" pitchFamily="34" charset="-122"/>
+            </a:endParaRPr>
+          </a:p>
+        </p:txBody>
+      </p:sp>
+      <p:sp>
+        <p:nvSpPr>
+          <p:cNvPr id="5" name="副标题 4">
+            <a:extLst>
+              <a:ext uri="{FF2B5EF4-FFF2-40B4-BE49-F238E27FC236}">
+                <a16:creationId xmlns:a16="http://schemas.microsoft.com/office/drawing/2014/main" id="{AB6C9444-61FF-4B32-BB09-5189DCB75540}"/>
+              </a:ext>
+            </a:extLst>
+          </p:cNvPr>
+          <p:cNvSpPr>
+            <a:spLocks noGrp="1"/>
+          </p:cNvSpPr>
+          <p:nvPr>
+            <p:ph type="subTitle" idx="1"/>
           </p:nvPr>
         </p:nvSpPr>
         <p:spPr/>
@@ -6383,58 +6491,14 @@
           <a:bodyPr/>
           <a:lstStyle/>
           <a:p>
-            <a:pPr>
-              <a:lnSpc>
-                <a:spcPct val="150000"/>
-              </a:lnSpc>
-            </a:pPr>
-            <a:r>
-              <a:rPr lang="en-US" altLang="zh-CN" dirty="0"/>
-              <a:t>CBS</a:t>
-            </a:r>
-            <a:r>
-              <a:rPr lang="zh-CN" altLang="en-US" dirty="0"/>
-              <a:t>是一种两层的算法。</a:t>
-            </a:r>
-            <a:endParaRPr lang="en-US" altLang="zh-CN" dirty="0"/>
-          </a:p>
-          <a:p>
-            <a:pPr>
-              <a:lnSpc>
-                <a:spcPct val="150000"/>
-              </a:lnSpc>
-            </a:pPr>
-            <a:r>
-              <a:rPr lang="zh-CN" altLang="en-US" dirty="0"/>
-              <a:t>高层搜索一个基于冲突的二叉约束树，每个节点包含一些对单个智能体的位置和时间的限制。为解决路径间的冲突由根节点不断向下层层扩展。</a:t>
-            </a:r>
-            <a:endParaRPr lang="en-US" altLang="zh-CN" dirty="0"/>
-          </a:p>
-          <a:p>
-            <a:pPr>
-              <a:lnSpc>
-                <a:spcPct val="150000"/>
-              </a:lnSpc>
-            </a:pPr>
-            <a:r>
-              <a:rPr lang="zh-CN" altLang="en-US" dirty="0"/>
-              <a:t>低层为每个智能体在满足约束的情况下寻找最短的路径（如</a:t>
-            </a:r>
-            <a:r>
-              <a:rPr lang="en-US" altLang="zh-CN" dirty="0"/>
-              <a:t>A*</a:t>
-            </a:r>
-            <a:r>
-              <a:rPr lang="zh-CN" altLang="en-US" dirty="0"/>
-              <a:t>算法）。</a:t>
-            </a:r>
+            <a:endParaRPr lang="zh-CN" altLang="en-US"/>
           </a:p>
         </p:txBody>
       </p:sp>
     </p:spTree>
     <p:extLst>
       <p:ext uri="{BB962C8B-B14F-4D97-AF65-F5344CB8AC3E}">
-        <p14:creationId xmlns:p14="http://schemas.microsoft.com/office/powerpoint/2010/main" val="3767298882"/>
+        <p14:creationId xmlns:p14="http://schemas.microsoft.com/office/powerpoint/2010/main" val="1957995540"/>
       </p:ext>
     </p:extLst>
   </p:cSld>
@@ -6600,11 +6664,17 @@
           <a:lstStyle/>
           <a:p>
             <a:r>
-              <a:rPr lang="en-US" altLang="zh-CN" dirty="0"/>
+              <a:rPr lang="en-US" altLang="zh-CN" dirty="0">
+                <a:latin typeface="微软雅黑" panose="020B0503020204020204" pitchFamily="34" charset="-122"/>
+                <a:ea typeface="微软雅黑" panose="020B0503020204020204" pitchFamily="34" charset="-122"/>
+              </a:rPr>
               <a:t>A*</a:t>
             </a:r>
             <a:r>
-              <a:rPr lang="zh-CN" altLang="en-US" dirty="0"/>
+              <a:rPr lang="zh-CN" altLang="en-US" dirty="0">
+                <a:latin typeface="微软雅黑" panose="020B0503020204020204" pitchFamily="34" charset="-122"/>
+                <a:ea typeface="微软雅黑" panose="020B0503020204020204" pitchFamily="34" charset="-122"/>
+              </a:rPr>
               <a:t>输入</a:t>
             </a:r>
           </a:p>
@@ -6800,17 +6870,19 @@
           <a:lstStyle/>
           <a:p>
             <a:r>
-              <a:rPr lang="en-US" altLang="zh-CN" dirty="0"/>
+              <a:rPr lang="en-US" altLang="zh-CN" dirty="0">
+                <a:latin typeface="微软雅黑" panose="020B0503020204020204" pitchFamily="34" charset="-122"/>
+                <a:ea typeface="微软雅黑" panose="020B0503020204020204" pitchFamily="34" charset="-122"/>
+              </a:rPr>
               <a:t>A*</a:t>
             </a:r>
             <a:r>
-              <a:rPr lang="zh-CN" altLang="en-US" dirty="0"/>
+              <a:rPr lang="zh-CN" altLang="en-US" dirty="0">
+                <a:latin typeface="微软雅黑" panose="020B0503020204020204" pitchFamily="34" charset="-122"/>
+                <a:ea typeface="微软雅黑" panose="020B0503020204020204" pitchFamily="34" charset="-122"/>
+              </a:rPr>
               <a:t>输出</a:t>
             </a:r>
-            <a:endParaRPr lang="zh-CN" altLang="en-US" dirty="0">
-              <a:latin typeface="微软雅黑" panose="020B0503020204020204" pitchFamily="34" charset="-122"/>
-              <a:ea typeface="微软雅黑" panose="020B0503020204020204" pitchFamily="34" charset="-122"/>
-            </a:endParaRPr>
           </a:p>
         </p:txBody>
       </p:sp>
@@ -6921,87 +6993,47 @@
                 <a:latin typeface="微软雅黑" panose="020B0503020204020204" pitchFamily="34" charset="-122"/>
                 <a:ea typeface="微软雅黑" panose="020B0503020204020204" pitchFamily="34" charset="-122"/>
               </a:rPr>
-              <a:t>Conflict-Based Search</a:t>
+              <a:t>A*</a:t>
             </a:r>
             <a:r>
               <a:rPr lang="zh-CN" altLang="en-US" dirty="0">
                 <a:latin typeface="微软雅黑" panose="020B0503020204020204" pitchFamily="34" charset="-122"/>
                 <a:ea typeface="微软雅黑" panose="020B0503020204020204" pitchFamily="34" charset="-122"/>
               </a:rPr>
-              <a:t>思路</a:t>
-            </a:r>
-          </a:p>
-        </p:txBody>
-      </p:sp>
-      <p:sp>
-        <p:nvSpPr>
-          <p:cNvPr id="3" name="内容占位符 2">
-            <a:extLst>
-              <a:ext uri="{FF2B5EF4-FFF2-40B4-BE49-F238E27FC236}">
-                <a16:creationId xmlns:a16="http://schemas.microsoft.com/office/drawing/2014/main" id="{B02DD44D-6626-44D8-B410-0644D7FB167D}"/>
-              </a:ext>
-            </a:extLst>
-          </p:cNvPr>
-          <p:cNvSpPr>
-            <a:spLocks noGrp="1"/>
-          </p:cNvSpPr>
+              <a:t>伪代码 准备阶段</a:t>
+            </a:r>
+          </a:p>
+        </p:txBody>
+      </p:sp>
+      <p:pic>
+        <p:nvPicPr>
+          <p:cNvPr id="8" name="内容占位符 7">
+            <a:extLst>
+              <a:ext uri="{FF2B5EF4-FFF2-40B4-BE49-F238E27FC236}">
+                <a16:creationId xmlns:a16="http://schemas.microsoft.com/office/drawing/2014/main" id="{1B11E148-9AEA-44AE-B55F-CD36E015DE44}"/>
+              </a:ext>
+            </a:extLst>
+          </p:cNvPr>
+          <p:cNvPicPr>
+            <a:picLocks noGrp="1" noChangeAspect="1"/>
+          </p:cNvPicPr>
           <p:nvPr>
             <p:ph idx="1"/>
           </p:nvPr>
-        </p:nvSpPr>
-        <p:spPr/>
-        <p:txBody>
-          <a:bodyPr/>
-          <a:lstStyle/>
-          <a:p>
-            <a:pPr>
-              <a:lnSpc>
-                <a:spcPct val="150000"/>
-              </a:lnSpc>
-            </a:pPr>
-            <a:r>
-              <a:rPr lang="zh-CN" altLang="en-US" dirty="0"/>
-              <a:t>把</a:t>
-            </a:r>
-            <a:r>
-              <a:rPr lang="en-US" altLang="zh-CN" dirty="0"/>
-              <a:t>MAPF</a:t>
-            </a:r>
-            <a:r>
-              <a:rPr lang="zh-CN" altLang="en-US" dirty="0"/>
-              <a:t>问题分解为好几个带有约束的单智能体路径规划问题来解决。</a:t>
-            </a:r>
-            <a:endParaRPr lang="en-US" altLang="zh-CN" dirty="0"/>
-          </a:p>
-          <a:p>
-            <a:pPr>
-              <a:lnSpc>
-                <a:spcPct val="150000"/>
-              </a:lnSpc>
-            </a:pPr>
-            <a:r>
-              <a:rPr lang="zh-CN" altLang="en-US" dirty="0"/>
-              <a:t>为每个智能体生成初始约束，并找到满足这些约束的路径。如果这些路径有冲突，就通过添加新的约束条件来解决冲突。</a:t>
-            </a:r>
-            <a:endParaRPr lang="en-US" altLang="zh-CN" dirty="0"/>
-          </a:p>
-          <a:p>
-            <a:pPr>
-              <a:lnSpc>
-                <a:spcPct val="150000"/>
-              </a:lnSpc>
-            </a:pPr>
-            <a:r>
-              <a:rPr lang="en-US" altLang="zh-CN" dirty="0"/>
-              <a:t>CBS</a:t>
-            </a:r>
-            <a:r>
-              <a:rPr lang="zh-CN" altLang="en-US" dirty="0"/>
-              <a:t>分为两层。在高层，找到冲突并添加新的约束条件。在低层，根据添加的新的约束条件更新智能体的路径。</a:t>
-            </a:r>
-          </a:p>
-        </p:txBody>
-      </p:sp>
+        </p:nvPicPr>
+        <p:blipFill>
+          <a:blip r:embed="rId3"/>
+          <a:stretch>
+            <a:fillRect/>
+          </a:stretch>
+        </p:blipFill>
+        <p:spPr>
+          <a:xfrm>
+            <a:off x="1036014" y="1535014"/>
+            <a:ext cx="10165386" cy="4641950"/>
+          </a:xfrm>
+        </p:spPr>
+      </p:pic>
     </p:spTree>
     <p:extLst>
       <p:ext uri="{BB962C8B-B14F-4D97-AF65-F5344CB8AC3E}">
@@ -7058,197 +7090,47 @@
                 <a:latin typeface="微软雅黑" panose="020B0503020204020204" pitchFamily="34" charset="-122"/>
                 <a:ea typeface="微软雅黑" panose="020B0503020204020204" pitchFamily="34" charset="-122"/>
               </a:rPr>
-              <a:t>High-level of CBS</a:t>
-            </a:r>
-            <a:endParaRPr lang="zh-CN" altLang="en-US" dirty="0">
-              <a:latin typeface="微软雅黑" panose="020B0503020204020204" pitchFamily="34" charset="-122"/>
-              <a:ea typeface="微软雅黑" panose="020B0503020204020204" pitchFamily="34" charset="-122"/>
-            </a:endParaRPr>
-          </a:p>
-        </p:txBody>
-      </p:sp>
-      <p:sp>
-        <p:nvSpPr>
-          <p:cNvPr id="3" name="内容占位符 2">
-            <a:extLst>
-              <a:ext uri="{FF2B5EF4-FFF2-40B4-BE49-F238E27FC236}">
-                <a16:creationId xmlns:a16="http://schemas.microsoft.com/office/drawing/2014/main" id="{030A835D-FAE3-46BA-80BE-867254C8B40C}"/>
-              </a:ext>
-            </a:extLst>
-          </p:cNvPr>
-          <p:cNvSpPr>
-            <a:spLocks noGrp="1"/>
-          </p:cNvSpPr>
+              <a:t>A*</a:t>
+            </a:r>
+            <a:r>
+              <a:rPr lang="zh-CN" altLang="en-US" dirty="0">
+                <a:latin typeface="微软雅黑" panose="020B0503020204020204" pitchFamily="34" charset="-122"/>
+                <a:ea typeface="微软雅黑" panose="020B0503020204020204" pitchFamily="34" charset="-122"/>
+              </a:rPr>
+              <a:t>伪代码 循环阶段</a:t>
+            </a:r>
+          </a:p>
+        </p:txBody>
+      </p:sp>
+      <p:pic>
+        <p:nvPicPr>
+          <p:cNvPr id="5" name="内容占位符 4">
+            <a:extLst>
+              <a:ext uri="{FF2B5EF4-FFF2-40B4-BE49-F238E27FC236}">
+                <a16:creationId xmlns:a16="http://schemas.microsoft.com/office/drawing/2014/main" id="{E3B30516-DA52-4AE4-92F6-0718C09AF149}"/>
+              </a:ext>
+            </a:extLst>
+          </p:cNvPr>
+          <p:cNvPicPr>
+            <a:picLocks noGrp="1" noChangeAspect="1"/>
+          </p:cNvPicPr>
           <p:nvPr>
             <p:ph idx="1"/>
           </p:nvPr>
-        </p:nvSpPr>
+        </p:nvPicPr>
+        <p:blipFill>
+          <a:blip r:embed="rId2"/>
+          <a:stretch>
+            <a:fillRect/>
+          </a:stretch>
+        </p:blipFill>
         <p:spPr>
           <a:xfrm>
-            <a:off x="838200" y="1690688"/>
-            <a:ext cx="10515600" cy="4486275"/>
+            <a:off x="1423555" y="1462082"/>
+            <a:ext cx="9382990" cy="4963642"/>
           </a:xfrm>
         </p:spPr>
-        <p:txBody>
-          <a:bodyPr/>
-          <a:lstStyle/>
-          <a:p>
-            <a:r>
-              <a:rPr lang="en-US" altLang="zh-CN" dirty="0"/>
-              <a:t>CBS</a:t>
-            </a:r>
-            <a:r>
-              <a:rPr lang="zh-CN" altLang="en-US" dirty="0"/>
-              <a:t>搜索一个二叉约束树（</a:t>
-            </a:r>
-            <a:r>
-              <a:rPr lang="en-US" altLang="zh-CN" dirty="0"/>
-              <a:t>Constraint Tree, CT</a:t>
-            </a:r>
-            <a:r>
-              <a:rPr lang="zh-CN" altLang="en-US" dirty="0"/>
-              <a:t>）。每个</a:t>
-            </a:r>
-            <a:r>
-              <a:rPr lang="en-US" altLang="zh-CN" dirty="0"/>
-              <a:t>CT</a:t>
-            </a:r>
-            <a:r>
-              <a:rPr lang="zh-CN" altLang="en-US" dirty="0"/>
-              <a:t>树节点</a:t>
-            </a:r>
-            <a:r>
-              <a:rPr lang="en-US" altLang="zh-CN" dirty="0"/>
-              <a:t>N</a:t>
-            </a:r>
-            <a:r>
-              <a:rPr lang="zh-CN" altLang="en-US" dirty="0"/>
-              <a:t>包含以下数据：</a:t>
-            </a:r>
-            <a:endParaRPr lang="en-US" altLang="zh-CN" dirty="0"/>
-          </a:p>
-          <a:p>
-            <a:r>
-              <a:rPr lang="zh-CN" altLang="en-US" dirty="0"/>
-              <a:t>（</a:t>
-            </a:r>
-            <a:r>
-              <a:rPr lang="en-US" altLang="zh-CN" dirty="0"/>
-              <a:t>1</a:t>
-            </a:r>
-            <a:r>
-              <a:rPr lang="zh-CN" altLang="en-US" dirty="0"/>
-              <a:t>）一组约束（</a:t>
-            </a:r>
-            <a:r>
-              <a:rPr lang="en-US" altLang="zh-CN" dirty="0" err="1"/>
-              <a:t>N.constraints</a:t>
-            </a:r>
-            <a:r>
-              <a:rPr lang="zh-CN" altLang="en-US" dirty="0"/>
-              <a:t>）。</a:t>
-            </a:r>
-            <a:r>
-              <a:rPr lang="en-US" altLang="zh-CN" dirty="0"/>
-              <a:t>CT</a:t>
-            </a:r>
-            <a:r>
-              <a:rPr lang="zh-CN" altLang="en-US" dirty="0"/>
-              <a:t>的根节点包含一个空的约束集合。</a:t>
-            </a:r>
-            <a:r>
-              <a:rPr lang="en-US" altLang="zh-CN" dirty="0"/>
-              <a:t>CT</a:t>
-            </a:r>
-            <a:r>
-              <a:rPr lang="zh-CN" altLang="en-US" dirty="0"/>
-              <a:t>的一个子节点继承父节点的约束，并为一个智能体添加一个新的约束。</a:t>
-            </a:r>
-            <a:endParaRPr lang="en-US" altLang="zh-CN" dirty="0"/>
-          </a:p>
-          <a:p>
-            <a:r>
-              <a:rPr lang="zh-CN" altLang="en-US" dirty="0"/>
-              <a:t>（</a:t>
-            </a:r>
-            <a:r>
-              <a:rPr lang="en-US" altLang="zh-CN" dirty="0"/>
-              <a:t>2</a:t>
-            </a:r>
-            <a:r>
-              <a:rPr lang="zh-CN" altLang="en-US" dirty="0"/>
-              <a:t>）一个解（</a:t>
-            </a:r>
-            <a:r>
-              <a:rPr lang="en-US" altLang="zh-CN" dirty="0" err="1"/>
-              <a:t>N.solution</a:t>
-            </a:r>
-            <a:r>
-              <a:rPr lang="zh-CN" altLang="en-US" dirty="0"/>
-              <a:t>）。一组</a:t>
-            </a:r>
-            <a:r>
-              <a:rPr lang="en-US" altLang="zh-CN" dirty="0"/>
-              <a:t>k</a:t>
-            </a:r>
-            <a:r>
-              <a:rPr lang="zh-CN" altLang="en-US" dirty="0"/>
-              <a:t>条路径，每个智能体一条。智能体</a:t>
-            </a:r>
-            <a:r>
-              <a:rPr lang="en-US" altLang="zh-CN" dirty="0"/>
-              <a:t>ai</a:t>
-            </a:r>
-            <a:r>
-              <a:rPr lang="zh-CN" altLang="en-US" dirty="0"/>
-              <a:t>的路径必须满足</a:t>
-            </a:r>
-            <a:r>
-              <a:rPr lang="en-US" altLang="zh-CN" dirty="0"/>
-              <a:t>N</a:t>
-            </a:r>
-            <a:r>
-              <a:rPr lang="zh-CN" altLang="en-US" dirty="0"/>
-              <a:t>中对</a:t>
-            </a:r>
-            <a:r>
-              <a:rPr lang="en-US" altLang="zh-CN" dirty="0"/>
-              <a:t>ai</a:t>
-            </a:r>
-            <a:r>
-              <a:rPr lang="zh-CN" altLang="en-US" dirty="0"/>
-              <a:t>的约束条件。这些路径是由低层搜索找到的。</a:t>
-            </a:r>
-            <a:endParaRPr lang="en-US" altLang="zh-CN" dirty="0"/>
-          </a:p>
-          <a:p>
-            <a:r>
-              <a:rPr lang="zh-CN" altLang="en-US" dirty="0"/>
-              <a:t>（</a:t>
-            </a:r>
-            <a:r>
-              <a:rPr lang="en-US" altLang="zh-CN" dirty="0"/>
-              <a:t>3</a:t>
-            </a:r>
-            <a:r>
-              <a:rPr lang="zh-CN" altLang="en-US" dirty="0"/>
-              <a:t>）当前解决方案的总代价（</a:t>
-            </a:r>
-            <a:r>
-              <a:rPr lang="en-US" altLang="zh-CN" dirty="0" err="1"/>
-              <a:t>N.cost</a:t>
-            </a:r>
-            <a:r>
-              <a:rPr lang="zh-CN" altLang="en-US" dirty="0"/>
-              <a:t>）</a:t>
-            </a:r>
-            <a:endParaRPr lang="en-US" altLang="zh-CN" dirty="0"/>
-          </a:p>
-          <a:p>
-            <a:endParaRPr lang="zh-CN" altLang="en-US" dirty="0"/>
-          </a:p>
-        </p:txBody>
-      </p:sp>
+      </p:pic>
     </p:spTree>
     <p:extLst>
       <p:ext uri="{BB962C8B-B14F-4D97-AF65-F5344CB8AC3E}">
@@ -7284,7 +7166,7 @@
           <p:cNvPr id="2" name="标题 1">
             <a:extLst>
               <a:ext uri="{FF2B5EF4-FFF2-40B4-BE49-F238E27FC236}">
-                <a16:creationId xmlns:a16="http://schemas.microsoft.com/office/drawing/2014/main" id="{5AB42BD6-7635-49DA-996F-45DD42E53B16}"/>
+                <a16:creationId xmlns:a16="http://schemas.microsoft.com/office/drawing/2014/main" id="{2CC389DC-46DA-4F32-9A2F-4BC6D11131A5}"/>
               </a:ext>
             </a:extLst>
           </p:cNvPr>
@@ -7295,7 +7177,12 @@
             <p:ph type="title"/>
           </p:nvPr>
         </p:nvSpPr>
-        <p:spPr/>
+        <p:spPr>
+          <a:xfrm>
+            <a:off x="838200" y="365126"/>
+            <a:ext cx="10515600" cy="1058430"/>
+          </a:xfrm>
+        </p:spPr>
         <p:txBody>
           <a:bodyPr/>
           <a:lstStyle/>
@@ -7305,47 +7192,57 @@
                 <a:latin typeface="微软雅黑" panose="020B0503020204020204" pitchFamily="34" charset="-122"/>
                 <a:ea typeface="微软雅黑" panose="020B0503020204020204" pitchFamily="34" charset="-122"/>
               </a:rPr>
-              <a:t>在</a:t>
-            </a:r>
-            <a:r>
-              <a:rPr lang="en-US" altLang="zh-CN" dirty="0">
-                <a:latin typeface="微软雅黑" panose="020B0503020204020204" pitchFamily="34" charset="-122"/>
-                <a:ea typeface="微软雅黑" panose="020B0503020204020204" pitchFamily="34" charset="-122"/>
-              </a:rPr>
-              <a:t>CT</a:t>
-            </a:r>
-            <a:r>
-              <a:rPr lang="zh-CN" altLang="en-US" dirty="0">
-                <a:latin typeface="微软雅黑" panose="020B0503020204020204" pitchFamily="34" charset="-122"/>
-                <a:ea typeface="微软雅黑" panose="020B0503020204020204" pitchFamily="34" charset="-122"/>
-              </a:rPr>
-              <a:t>中处理一个节点</a:t>
-            </a:r>
-          </a:p>
-        </p:txBody>
-      </p:sp>
-      <p:sp>
-        <p:nvSpPr>
-          <p:cNvPr id="3" name="内容占位符 2">
-            <a:extLst>
-              <a:ext uri="{FF2B5EF4-FFF2-40B4-BE49-F238E27FC236}">
-                <a16:creationId xmlns:a16="http://schemas.microsoft.com/office/drawing/2014/main" id="{B9CB6F28-2821-46AC-81C1-B9E9F7FE64F2}"/>
-              </a:ext>
-            </a:extLst>
-          </p:cNvPr>
-          <p:cNvSpPr>
-            <a:spLocks noGrp="1"/>
-          </p:cNvSpPr>
-          <p:nvPr>
-            <p:ph idx="1"/>
-          </p:nvPr>
-        </p:nvSpPr>
+              <a:t>举例</a:t>
+            </a:r>
+          </a:p>
+        </p:txBody>
+      </p:sp>
+      <p:pic>
+        <p:nvPicPr>
+          <p:cNvPr id="5" name="内容占位符 4">
+            <a:extLst>
+              <a:ext uri="{FF2B5EF4-FFF2-40B4-BE49-F238E27FC236}">
+                <a16:creationId xmlns:a16="http://schemas.microsoft.com/office/drawing/2014/main" id="{BB5F50D0-5128-4647-A006-42027E6C0353}"/>
+              </a:ext>
+            </a:extLst>
+          </p:cNvPr>
+          <p:cNvPicPr>
+            <a:picLocks noGrp="1" noChangeAspect="1"/>
+          </p:cNvPicPr>
+          <p:nvPr>
+            <p:ph sz="half" idx="1"/>
+          </p:nvPr>
+        </p:nvPicPr>
+        <p:blipFill>
+          <a:blip r:embed="rId3"/>
+          <a:stretch>
+            <a:fillRect/>
+          </a:stretch>
+        </p:blipFill>
         <p:spPr>
           <a:xfrm>
-            <a:off x="838200" y="1785257"/>
-            <a:ext cx="10515600" cy="4391706"/>
+            <a:off x="1512404" y="2294266"/>
+            <a:ext cx="3833192" cy="3414056"/>
           </a:xfrm>
         </p:spPr>
+      </p:pic>
+      <p:sp>
+        <p:nvSpPr>
+          <p:cNvPr id="6" name="内容占位符 5">
+            <a:extLst>
+              <a:ext uri="{FF2B5EF4-FFF2-40B4-BE49-F238E27FC236}">
+                <a16:creationId xmlns:a16="http://schemas.microsoft.com/office/drawing/2014/main" id="{0F6D49FD-4F0C-4C67-A808-2A2EADFD8F11}"/>
+              </a:ext>
+            </a:extLst>
+          </p:cNvPr>
+          <p:cNvSpPr>
+            <a:spLocks noGrp="1"/>
+          </p:cNvSpPr>
+          <p:nvPr>
+            <p:ph sz="half" idx="2"/>
+          </p:nvPr>
+        </p:nvSpPr>
+        <p:spPr/>
         <p:txBody>
           <a:bodyPr>
             <a:normAutofit fontScale="92500" lnSpcReduction="10000"/>
@@ -7359,47 +7256,23 @@
             </a:pPr>
             <a:r>
               <a:rPr lang="zh-CN" altLang="en-US" dirty="0"/>
-              <a:t>给定</a:t>
+              <a:t>原点在左上角。</a:t>
             </a:r>
             <a:r>
               <a:rPr lang="en-US" altLang="zh-CN" dirty="0"/>
-              <a:t>CT</a:t>
+              <a:t>X</a:t>
             </a:r>
             <a:r>
               <a:rPr lang="zh-CN" altLang="en-US" dirty="0"/>
-              <a:t>的一个节点</a:t>
+              <a:t>轴向下，</a:t>
             </a:r>
             <a:r>
               <a:rPr lang="en-US" altLang="zh-CN" dirty="0"/>
-              <a:t>N</a:t>
+              <a:t>Y</a:t>
             </a:r>
             <a:r>
               <a:rPr lang="zh-CN" altLang="en-US" dirty="0"/>
-              <a:t>的约束列表，调用低层搜索。这个搜索返回每个智能体</a:t>
-            </a:r>
-            <a:r>
-              <a:rPr lang="en-US" altLang="zh-CN" dirty="0"/>
-              <a:t>ai</a:t>
-            </a:r>
-            <a:r>
-              <a:rPr lang="zh-CN" altLang="en-US" dirty="0"/>
-              <a:t>的一条最短路径，该路径满足节点</a:t>
-            </a:r>
-            <a:r>
-              <a:rPr lang="en-US" altLang="zh-CN" dirty="0"/>
-              <a:t>N</a:t>
-            </a:r>
-            <a:r>
-              <a:rPr lang="zh-CN" altLang="en-US" dirty="0"/>
-              <a:t>中与</a:t>
-            </a:r>
-            <a:r>
-              <a:rPr lang="en-US" altLang="zh-CN" dirty="0"/>
-              <a:t>ai</a:t>
-            </a:r>
-            <a:r>
-              <a:rPr lang="zh-CN" altLang="en-US" dirty="0"/>
-              <a:t>相关联的所有约束。然后验证所有智能体路径之间是否有冲突。</a:t>
+              <a:t>轴向右。</a:t>
             </a:r>
             <a:endParaRPr lang="en-US" altLang="zh-CN" dirty="0"/>
           </a:p>
@@ -7411,25 +7284,20 @@
             </a:pPr>
             <a:r>
               <a:rPr lang="zh-CN" altLang="en-US" dirty="0"/>
-              <a:t>如果没有冲突，则标记节点</a:t>
+              <a:t>起点</a:t>
             </a:r>
             <a:r>
               <a:rPr lang="en-US" altLang="zh-CN" dirty="0"/>
-              <a:t>N</a:t>
+              <a:t>(8, 0), </a:t>
             </a:r>
             <a:r>
               <a:rPr lang="zh-CN" altLang="en-US" dirty="0"/>
-              <a:t>为目标节点，并返回包含这组路径的当前解（</a:t>
-            </a:r>
-            <a:r>
-              <a:rPr lang="en-US" altLang="zh-CN" dirty="0" err="1"/>
-              <a:t>N.solution</a:t>
-            </a:r>
-            <a:r>
-              <a:rPr lang="zh-CN" altLang="en-US" dirty="0"/>
-              <a:t>）。</a:t>
-            </a:r>
-            <a:endParaRPr lang="en-US" altLang="zh-CN" dirty="0"/>
+              <a:t>终点</a:t>
+            </a:r>
+            <a:r>
+              <a:rPr lang="en-US" altLang="zh-CN" dirty="0"/>
+              <a:t>(2, 4)</a:t>
+            </a:r>
           </a:p>
           <a:p>
             <a:pPr>
@@ -7439,71 +7307,110 @@
             </a:pPr>
             <a:r>
               <a:rPr lang="zh-CN" altLang="en-US" dirty="0"/>
-              <a:t>如果在执行验证时发现两个或多个智能体</a:t>
-            </a:r>
-            <a:r>
+              <a:t>启发式距离用哈密顿距离</a:t>
+            </a:r>
+            <a:br>
               <a:rPr lang="en-US" altLang="zh-CN" dirty="0"/>
-              <a:t>ai</a:t>
-            </a:r>
-            <a:r>
-              <a:rPr lang="zh-CN" altLang="en-US" dirty="0"/>
-              <a:t>和</a:t>
-            </a:r>
-            <a:r>
-              <a:rPr lang="en-US" altLang="zh-CN" dirty="0" err="1"/>
-              <a:t>aj</a:t>
-            </a:r>
-            <a:r>
-              <a:rPr lang="zh-CN" altLang="en-US" dirty="0"/>
-              <a:t>之间存在冲突</a:t>
-            </a:r>
-            <a:r>
-              <a:rPr lang="en-US" altLang="zh-CN" dirty="0"/>
-              <a:t>C =</a:t>
-            </a:r>
-            <a:r>
-              <a:rPr lang="zh-CN" altLang="en-US" dirty="0"/>
-              <a:t>（</a:t>
-            </a:r>
-            <a:r>
-              <a:rPr lang="en-US" altLang="zh-CN" dirty="0"/>
-              <a:t>ai</a:t>
-            </a:r>
-            <a:r>
-              <a:rPr lang="zh-CN" altLang="en-US" dirty="0"/>
-              <a:t>，</a:t>
-            </a:r>
-            <a:r>
-              <a:rPr lang="en-US" altLang="zh-CN" dirty="0" err="1"/>
-              <a:t>aj</a:t>
-            </a:r>
-            <a:r>
-              <a:rPr lang="zh-CN" altLang="en-US" dirty="0"/>
-              <a:t>，</a:t>
-            </a:r>
-            <a:r>
-              <a:rPr lang="en-US" altLang="zh-CN" dirty="0"/>
-              <a:t>v</a:t>
-            </a:r>
-            <a:r>
-              <a:rPr lang="zh-CN" altLang="en-US" dirty="0"/>
-              <a:t>，</a:t>
-            </a:r>
-            <a:r>
-              <a:rPr lang="en-US" altLang="zh-CN" dirty="0"/>
-              <a:t>t</a:t>
-            </a:r>
-            <a:r>
-              <a:rPr lang="zh-CN" altLang="en-US" dirty="0"/>
-              <a:t>），则验证停止，并将该节点标记为非目标节点。</a:t>
-            </a:r>
+            </a:br>
+            <a:r>
+              <a:rPr lang="en-US" altLang="zh-CN" dirty="0">
+                <a:sym typeface="Wingdings" panose="05000000000000000000" pitchFamily="2" charset="2"/>
+              </a:rPr>
+              <a:t>|</a:t>
+            </a:r>
+            <a:r>
+              <a:rPr lang="en-US" altLang="zh-CN" dirty="0" err="1">
+                <a:sym typeface="Wingdings" panose="05000000000000000000" pitchFamily="2" charset="2"/>
+              </a:rPr>
+              <a:t>Xdest</a:t>
+            </a:r>
+            <a:r>
+              <a:rPr lang="en-US" altLang="zh-CN" dirty="0">
+                <a:sym typeface="Wingdings" panose="05000000000000000000" pitchFamily="2" charset="2"/>
+              </a:rPr>
+              <a:t>-X| + |</a:t>
+            </a:r>
+            <a:r>
+              <a:rPr lang="en-US" altLang="zh-CN" dirty="0" err="1">
+                <a:sym typeface="Wingdings" panose="05000000000000000000" pitchFamily="2" charset="2"/>
+              </a:rPr>
+              <a:t>Ydest</a:t>
+            </a:r>
+            <a:r>
+              <a:rPr lang="en-US" altLang="zh-CN" dirty="0">
+                <a:sym typeface="Wingdings" panose="05000000000000000000" pitchFamily="2" charset="2"/>
+              </a:rPr>
+              <a:t>-Y|</a:t>
+            </a:r>
+          </a:p>
+          <a:p>
+            <a:pPr>
+              <a:lnSpc>
+                <a:spcPct val="150000"/>
+              </a:lnSpc>
+            </a:pPr>
+            <a:r>
+              <a:rPr lang="zh-CN" altLang="en-US" dirty="0">
+                <a:sym typeface="Wingdings" panose="05000000000000000000" pitchFamily="2" charset="2"/>
+              </a:rPr>
+              <a:t>邻居有东</a:t>
+            </a:r>
+            <a:r>
+              <a:rPr lang="en-US" altLang="zh-CN" dirty="0">
+                <a:sym typeface="Wingdings" panose="05000000000000000000" pitchFamily="2" charset="2"/>
+              </a:rPr>
+              <a:t>(x+)</a:t>
+            </a:r>
+            <a:r>
+              <a:rPr lang="zh-CN" altLang="en-US" dirty="0">
+                <a:sym typeface="Wingdings" panose="05000000000000000000" pitchFamily="2" charset="2"/>
+              </a:rPr>
+              <a:t>南</a:t>
+            </a:r>
+            <a:r>
+              <a:rPr lang="en-US" altLang="zh-CN" dirty="0">
+                <a:sym typeface="Wingdings" panose="05000000000000000000" pitchFamily="2" charset="2"/>
+              </a:rPr>
+              <a:t>(y-)</a:t>
+            </a:r>
+            <a:r>
+              <a:rPr lang="zh-CN" altLang="en-US" dirty="0">
+                <a:sym typeface="Wingdings" panose="05000000000000000000" pitchFamily="2" charset="2"/>
+              </a:rPr>
+              <a:t>西</a:t>
+            </a:r>
+            <a:r>
+              <a:rPr lang="en-US" altLang="zh-CN" dirty="0">
+                <a:sym typeface="Wingdings" panose="05000000000000000000" pitchFamily="2" charset="2"/>
+              </a:rPr>
+              <a:t>(x-)</a:t>
+            </a:r>
+            <a:r>
+              <a:rPr lang="zh-CN" altLang="en-US" dirty="0">
+                <a:sym typeface="Wingdings" panose="05000000000000000000" pitchFamily="2" charset="2"/>
+              </a:rPr>
+              <a:t>北</a:t>
+            </a:r>
+            <a:r>
+              <a:rPr lang="en-US" altLang="zh-CN" dirty="0">
+                <a:sym typeface="Wingdings" panose="05000000000000000000" pitchFamily="2" charset="2"/>
+              </a:rPr>
+              <a:t>(y+)</a:t>
+            </a:r>
+            <a:r>
+              <a:rPr lang="zh-CN" altLang="en-US" dirty="0">
+                <a:sym typeface="Wingdings" panose="05000000000000000000" pitchFamily="2" charset="2"/>
+              </a:rPr>
+              <a:t>四个。</a:t>
+            </a:r>
+            <a:endParaRPr lang="zh-CN" altLang="en-US" dirty="0"/>
           </a:p>
         </p:txBody>
       </p:sp>
     </p:spTree>
     <p:extLst>
       <p:ext uri="{BB962C8B-B14F-4D97-AF65-F5344CB8AC3E}">
-        <p14:creationId xmlns:p14="http://schemas.microsoft.com/office/powerpoint/2010/main" val="606324815"/>
+        <p14:creationId xmlns:p14="http://schemas.microsoft.com/office/powerpoint/2010/main" val="1989922215"/>
       </p:ext>
     </p:extLst>
   </p:cSld>
@@ -7535,7 +7442,7 @@
           <p:cNvPr id="2" name="标题 1">
             <a:extLst>
               <a:ext uri="{FF2B5EF4-FFF2-40B4-BE49-F238E27FC236}">
-                <a16:creationId xmlns:a16="http://schemas.microsoft.com/office/drawing/2014/main" id="{080622F3-2F18-41B8-8284-09A6A84494B8}"/>
+                <a16:creationId xmlns:a16="http://schemas.microsoft.com/office/drawing/2014/main" id="{308A581C-76B4-49F0-A680-E1EA8745777F}"/>
               </a:ext>
             </a:extLst>
           </p:cNvPr>
@@ -7546,7 +7453,12 @@
             <p:ph type="title"/>
           </p:nvPr>
         </p:nvSpPr>
-        <p:spPr/>
+        <p:spPr>
+          <a:xfrm>
+            <a:off x="838200" y="72737"/>
+            <a:ext cx="10515600" cy="1143000"/>
+          </a:xfrm>
+        </p:spPr>
         <p:txBody>
           <a:bodyPr/>
           <a:lstStyle/>
@@ -7556,166 +7468,133 @@
                 <a:latin typeface="微软雅黑" panose="020B0503020204020204" pitchFamily="34" charset="-122"/>
                 <a:ea typeface="微软雅黑" panose="020B0503020204020204" pitchFamily="34" charset="-122"/>
               </a:rPr>
-              <a:t>解决冲突</a:t>
-            </a:r>
-          </a:p>
-        </p:txBody>
-      </p:sp>
-      <p:sp>
-        <p:nvSpPr>
-          <p:cNvPr id="3" name="内容占位符 2">
-            <a:extLst>
-              <a:ext uri="{FF2B5EF4-FFF2-40B4-BE49-F238E27FC236}">
-                <a16:creationId xmlns:a16="http://schemas.microsoft.com/office/drawing/2014/main" id="{4B38E485-4B03-41F1-86D8-10441172B727}"/>
-              </a:ext>
-            </a:extLst>
-          </p:cNvPr>
-          <p:cNvSpPr>
-            <a:spLocks noGrp="1"/>
-          </p:cNvSpPr>
-          <p:nvPr>
-            <p:ph idx="1"/>
-          </p:nvPr>
-        </p:nvSpPr>
-        <p:spPr/>
+              <a:t>准备阶段</a:t>
+            </a:r>
+          </a:p>
+        </p:txBody>
+      </p:sp>
+      <p:sp>
+        <p:nvSpPr>
+          <p:cNvPr id="5" name="内容占位符 4">
+            <a:extLst>
+              <a:ext uri="{FF2B5EF4-FFF2-40B4-BE49-F238E27FC236}">
+                <a16:creationId xmlns:a16="http://schemas.microsoft.com/office/drawing/2014/main" id="{EAF66FC1-C33B-43AD-BAAB-07BDE14BC5EE}"/>
+              </a:ext>
+            </a:extLst>
+          </p:cNvPr>
+          <p:cNvSpPr>
+            <a:spLocks noGrp="1"/>
+          </p:cNvSpPr>
+          <p:nvPr>
+            <p:ph sz="half" idx="2"/>
+          </p:nvPr>
+        </p:nvSpPr>
+        <p:spPr>
+          <a:xfrm>
+            <a:off x="6172200" y="294640"/>
+            <a:ext cx="5181600" cy="1835496"/>
+          </a:xfrm>
+        </p:spPr>
         <p:txBody>
           <a:bodyPr>
-            <a:normAutofit/>
+            <a:normAutofit lnSpcReduction="10000"/>
           </a:bodyPr>
           <a:lstStyle/>
           <a:p>
-            <a:pPr>
-              <a:lnSpc>
-                <a:spcPct val="150000"/>
-              </a:lnSpc>
-            </a:pPr>
+            <a:r>
+              <a:rPr lang="en-US" altLang="zh-CN" dirty="0"/>
+              <a:t>Add start node to closed list</a:t>
+            </a:r>
+          </a:p>
+          <a:p>
             <a:r>
               <a:rPr lang="zh-CN" altLang="en-US" dirty="0"/>
-              <a:t>给定一个非目标</a:t>
+              <a:t>所有节点</a:t>
             </a:r>
             <a:r>
               <a:rPr lang="en-US" altLang="zh-CN" dirty="0"/>
-              <a:t>CT</a:t>
+              <a:t>g</a:t>
             </a:r>
             <a:r>
               <a:rPr lang="zh-CN" altLang="en-US" dirty="0"/>
-              <a:t>节点</a:t>
+              <a:t>初始化为</a:t>
             </a:r>
             <a:r>
               <a:rPr lang="en-US" altLang="zh-CN" dirty="0"/>
-              <a:t>N</a:t>
-            </a:r>
-            <a:r>
-              <a:rPr lang="zh-CN" altLang="en-US" dirty="0"/>
-              <a:t>，其解</a:t>
-            </a:r>
-            <a:r>
-              <a:rPr lang="en-US" altLang="zh-CN" dirty="0" err="1"/>
-              <a:t>N.solution</a:t>
-            </a:r>
-            <a:r>
-              <a:rPr lang="zh-CN" altLang="en-US" dirty="0"/>
-              <a:t>包含一个冲突</a:t>
-            </a:r>
+              <a:t>∞</a:t>
+            </a:r>
+          </a:p>
+          <a:p>
             <a:r>
               <a:rPr lang="en-US" altLang="zh-CN" dirty="0"/>
-              <a:t>Cn = (ai, </a:t>
-            </a:r>
-            <a:r>
-              <a:rPr lang="en-US" altLang="zh-CN" dirty="0" err="1"/>
-              <a:t>aj</a:t>
-            </a:r>
-            <a:r>
-              <a:rPr lang="en-US" altLang="zh-CN" dirty="0"/>
-              <a:t> , v, t)</a:t>
-            </a:r>
-            <a:r>
-              <a:rPr lang="zh-CN" altLang="en-US" dirty="0"/>
-              <a:t>。因此，至少有一个约束（</a:t>
-            </a:r>
-            <a:r>
-              <a:rPr lang="en-US" altLang="zh-CN" dirty="0"/>
-              <a:t>ai, v, t</a:t>
-            </a:r>
-            <a:r>
-              <a:rPr lang="zh-CN" altLang="en-US" dirty="0"/>
-              <a:t>）或（</a:t>
-            </a:r>
-            <a:r>
-              <a:rPr lang="en-US" altLang="zh-CN" dirty="0" err="1"/>
-              <a:t>aj</a:t>
-            </a:r>
-            <a:r>
-              <a:rPr lang="en-US" altLang="zh-CN" dirty="0"/>
-              <a:t> , v, t</a:t>
-            </a:r>
-            <a:r>
-              <a:rPr lang="zh-CN" altLang="en-US" dirty="0"/>
-              <a:t>）必须添加到</a:t>
-            </a:r>
-            <a:r>
-              <a:rPr lang="en-US" altLang="zh-CN" dirty="0" err="1"/>
-              <a:t>N.constraints</a:t>
-            </a:r>
-            <a:r>
-              <a:rPr lang="zh-CN" altLang="en-US" dirty="0"/>
-              <a:t>中的约束集合中。</a:t>
-            </a:r>
-            <a:endParaRPr lang="en-US" altLang="zh-CN" dirty="0"/>
-          </a:p>
-          <a:p>
-            <a:pPr>
-              <a:lnSpc>
-                <a:spcPct val="150000"/>
-              </a:lnSpc>
-            </a:pPr>
-            <a:r>
-              <a:rPr lang="zh-CN" altLang="en-US" dirty="0"/>
-              <a:t>为了保证最优性，两种可能性都要检查，</a:t>
-            </a:r>
-            <a:r>
-              <a:rPr lang="en-US" altLang="zh-CN" dirty="0"/>
-              <a:t>N</a:t>
-            </a:r>
-            <a:r>
-              <a:rPr lang="zh-CN" altLang="en-US" dirty="0"/>
-              <a:t>被分割成两个子节点。两个子节点都继承了</a:t>
-            </a:r>
-            <a:r>
-              <a:rPr lang="en-US" altLang="zh-CN" dirty="0"/>
-              <a:t>N</a:t>
-            </a:r>
-            <a:r>
-              <a:rPr lang="zh-CN" altLang="en-US" dirty="0"/>
-              <a:t>的约束集合。左子节点通过添加约束（</a:t>
-            </a:r>
-            <a:r>
-              <a:rPr lang="en-US" altLang="zh-CN" dirty="0"/>
-              <a:t>ai, v, t</a:t>
-            </a:r>
-            <a:r>
-              <a:rPr lang="zh-CN" altLang="en-US" dirty="0"/>
-              <a:t>）来解决冲突，右子节点添加约束（</a:t>
-            </a:r>
-            <a:r>
-              <a:rPr lang="en-US" altLang="zh-CN" dirty="0" err="1"/>
-              <a:t>aj</a:t>
-            </a:r>
-            <a:r>
-              <a:rPr lang="en-US" altLang="zh-CN" dirty="0"/>
-              <a:t> , v, t</a:t>
-            </a:r>
-            <a:r>
-              <a:rPr lang="zh-CN" altLang="en-US" dirty="0"/>
-              <a:t>）。</a:t>
-            </a:r>
-          </a:p>
-        </p:txBody>
-      </p:sp>
+              <a:t>open list: f(8, 0) = (8-2)+(4-0) = 10</a:t>
+            </a:r>
+          </a:p>
+        </p:txBody>
+      </p:sp>
+      <p:pic>
+        <p:nvPicPr>
+          <p:cNvPr id="6" name="内容占位符 4">
+            <a:extLst>
+              <a:ext uri="{FF2B5EF4-FFF2-40B4-BE49-F238E27FC236}">
+                <a16:creationId xmlns:a16="http://schemas.microsoft.com/office/drawing/2014/main" id="{2EEB0571-3765-486B-81B2-ED29C5A3E324}"/>
+              </a:ext>
+            </a:extLst>
+          </p:cNvPr>
+          <p:cNvPicPr>
+            <a:picLocks noGrp="1" noChangeAspect="1"/>
+          </p:cNvPicPr>
+          <p:nvPr>
+            <p:ph sz="half" idx="1"/>
+          </p:nvPr>
+        </p:nvPicPr>
+        <p:blipFill>
+          <a:blip r:embed="rId3"/>
+          <a:stretch>
+            <a:fillRect/>
+          </a:stretch>
+        </p:blipFill>
+        <p:spPr>
+          <a:xfrm>
+            <a:off x="7107381" y="3044536"/>
+            <a:ext cx="3741707" cy="3332575"/>
+          </a:xfrm>
+        </p:spPr>
+      </p:pic>
+      <p:pic>
+        <p:nvPicPr>
+          <p:cNvPr id="8" name="图片 7">
+            <a:extLst>
+              <a:ext uri="{FF2B5EF4-FFF2-40B4-BE49-F238E27FC236}">
+                <a16:creationId xmlns:a16="http://schemas.microsoft.com/office/drawing/2014/main" id="{DD80EF96-2ACA-4FD8-9D69-C9A0C7BA84A6}"/>
+              </a:ext>
+            </a:extLst>
+          </p:cNvPr>
+          <p:cNvPicPr>
+            <a:picLocks noChangeAspect="1"/>
+          </p:cNvPicPr>
+          <p:nvPr/>
+        </p:nvPicPr>
+        <p:blipFill>
+          <a:blip r:embed="rId4"/>
+          <a:stretch>
+            <a:fillRect/>
+          </a:stretch>
+        </p:blipFill>
+        <p:spPr>
+          <a:xfrm>
+            <a:off x="409824" y="1309255"/>
+            <a:ext cx="5280414" cy="4147660"/>
+          </a:xfrm>
+          <a:prstGeom prst="rect">
+            <a:avLst/>
+          </a:prstGeom>
+        </p:spPr>
+      </p:pic>
     </p:spTree>
     <p:extLst>
       <p:ext uri="{BB962C8B-B14F-4D97-AF65-F5344CB8AC3E}">
-        <p14:creationId xmlns:p14="http://schemas.microsoft.com/office/powerpoint/2010/main" val="2246263935"/>
+        <p14:creationId xmlns:p14="http://schemas.microsoft.com/office/powerpoint/2010/main" val="2341700110"/>
       </p:ext>
     </p:extLst>
   </p:cSld>
@@ -7744,10 +7623,10 @@
       </p:grpSpPr>
       <p:sp>
         <p:nvSpPr>
-          <p:cNvPr id="2" name="标题 1">
-            <a:extLst>
-              <a:ext uri="{FF2B5EF4-FFF2-40B4-BE49-F238E27FC236}">
-                <a16:creationId xmlns:a16="http://schemas.microsoft.com/office/drawing/2014/main" id="{909EF460-4034-42B1-9384-7F73955804FE}"/>
+          <p:cNvPr id="4" name="标题 3">
+            <a:extLst>
+              <a:ext uri="{FF2B5EF4-FFF2-40B4-BE49-F238E27FC236}">
+                <a16:creationId xmlns:a16="http://schemas.microsoft.com/office/drawing/2014/main" id="{5CDA1EA4-52FD-4541-A545-58B12CA1A648}"/>
               </a:ext>
             </a:extLst>
           </p:cNvPr>
@@ -7763,12 +7642,33 @@
           <a:bodyPr/>
           <a:lstStyle/>
           <a:p>
+            <a:r>
+              <a:rPr lang="zh-CN" altLang="en-US" dirty="0">
+                <a:latin typeface="微软雅黑" panose="020B0503020204020204" pitchFamily="34" charset="-122"/>
+                <a:ea typeface="微软雅黑" panose="020B0503020204020204" pitchFamily="34" charset="-122"/>
+              </a:rPr>
+              <a:t>循环阶段</a:t>
+            </a:r>
             <a:r>
               <a:rPr lang="en-US" altLang="zh-CN" dirty="0">
                 <a:latin typeface="微软雅黑" panose="020B0503020204020204" pitchFamily="34" charset="-122"/>
                 <a:ea typeface="微软雅黑" panose="020B0503020204020204" pitchFamily="34" charset="-122"/>
               </a:rPr>
-              <a:t>High-level of CBS</a:t>
+              <a:t>: </a:t>
+            </a:r>
+            <a:r>
+              <a:rPr lang="en-US" altLang="zh-CN" dirty="0" err="1">
+                <a:latin typeface="微软雅黑" panose="020B0503020204020204" pitchFamily="34" charset="-122"/>
+                <a:ea typeface="微软雅黑" panose="020B0503020204020204" pitchFamily="34" charset="-122"/>
+              </a:rPr>
+              <a:t>iter</a:t>
+            </a:r>
+            <a:r>
+              <a:rPr lang="en-US" altLang="zh-CN" dirty="0">
+                <a:latin typeface="微软雅黑" panose="020B0503020204020204" pitchFamily="34" charset="-122"/>
+                <a:ea typeface="微软雅黑" panose="020B0503020204020204" pitchFamily="34" charset="-122"/>
+              </a:rPr>
+              <a:t>=1</a:t>
             </a:r>
             <a:endParaRPr lang="zh-CN" altLang="en-US" dirty="0">
               <a:latin typeface="微软雅黑" panose="020B0503020204020204" pitchFamily="34" charset="-122"/>
@@ -7777,95 +7677,72 @@
           </a:p>
         </p:txBody>
       </p:sp>
-      <p:sp>
-        <p:nvSpPr>
-          <p:cNvPr id="3" name="内容占位符 2">
-            <a:extLst>
-              <a:ext uri="{FF2B5EF4-FFF2-40B4-BE49-F238E27FC236}">
-                <a16:creationId xmlns:a16="http://schemas.microsoft.com/office/drawing/2014/main" id="{3BB2853E-3391-43D1-9567-85F047BB66D5}"/>
-              </a:ext>
-            </a:extLst>
-          </p:cNvPr>
-          <p:cNvSpPr>
-            <a:spLocks noGrp="1"/>
-          </p:cNvSpPr>
-          <p:nvPr>
-            <p:ph idx="1"/>
-          </p:nvPr>
-        </p:nvSpPr>
-        <p:spPr/>
-        <p:txBody>
-          <a:bodyPr/>
-          <a:lstStyle/>
-          <a:p>
-            <a:pPr>
-              <a:lnSpc>
-                <a:spcPct val="150000"/>
-              </a:lnSpc>
-            </a:pPr>
+      <p:pic>
+        <p:nvPicPr>
+          <p:cNvPr id="8" name="内容占位符 7">
+            <a:extLst>
+              <a:ext uri="{FF2B5EF4-FFF2-40B4-BE49-F238E27FC236}">
+                <a16:creationId xmlns:a16="http://schemas.microsoft.com/office/drawing/2014/main" id="{7862CB40-0025-46FE-9184-7F9027E35A4D}"/>
+              </a:ext>
+            </a:extLst>
+          </p:cNvPr>
+          <p:cNvPicPr>
+            <a:picLocks noGrp="1" noChangeAspect="1"/>
+          </p:cNvPicPr>
+          <p:nvPr>
+            <p:ph sz="half" idx="1"/>
+          </p:nvPr>
+        </p:nvPicPr>
+        <p:blipFill>
+          <a:blip r:embed="rId2"/>
+          <a:stretch>
+            <a:fillRect/>
+          </a:stretch>
+        </p:blipFill>
+        <p:spPr>
+          <a:xfrm>
+            <a:off x="467115" y="3429000"/>
+            <a:ext cx="7338425" cy="1203960"/>
+          </a:xfrm>
+        </p:spPr>
+      </p:pic>
+      <p:sp>
+        <p:nvSpPr>
+          <p:cNvPr id="6" name="内容占位符 5">
+            <a:extLst>
+              <a:ext uri="{FF2B5EF4-FFF2-40B4-BE49-F238E27FC236}">
+                <a16:creationId xmlns:a16="http://schemas.microsoft.com/office/drawing/2014/main" id="{DBCD3373-ABE9-4365-AB91-25BFE75DD795}"/>
+              </a:ext>
+            </a:extLst>
+          </p:cNvPr>
+          <p:cNvSpPr>
+            <a:spLocks noGrp="1"/>
+          </p:cNvSpPr>
+          <p:nvPr>
+            <p:ph sz="half" idx="2"/>
+          </p:nvPr>
+        </p:nvSpPr>
+        <p:spPr>
+          <a:xfrm>
+            <a:off x="6939280" y="2052321"/>
+            <a:ext cx="4917440" cy="4124642"/>
+          </a:xfrm>
+        </p:spPr>
+        <p:txBody>
+          <a:bodyPr/>
+          <a:lstStyle/>
+          <a:p>
             <a:r>
               <a:rPr lang="zh-CN" altLang="en-US" dirty="0"/>
-              <a:t>当</a:t>
-            </a:r>
-            <a:r>
-              <a:rPr lang="en-US" altLang="zh-CN" dirty="0" err="1"/>
-              <a:t>N.solution</a:t>
-            </a:r>
-            <a:r>
-              <a:rPr lang="zh-CN" altLang="en-US" dirty="0"/>
-              <a:t>是</a:t>
-            </a:r>
-            <a:r>
-              <a:rPr lang="en-US" altLang="zh-CN" dirty="0"/>
-              <a:t>valid</a:t>
-            </a:r>
-            <a:r>
-              <a:rPr lang="zh-CN" altLang="en-US" dirty="0"/>
-              <a:t>的时候，即所有智能体的路径没有冲突时，</a:t>
-            </a:r>
-            <a:r>
-              <a:rPr lang="en-US" altLang="zh-CN" dirty="0"/>
-              <a:t>CT</a:t>
-            </a:r>
-            <a:r>
-              <a:rPr lang="zh-CN" altLang="en-US" dirty="0"/>
-              <a:t>节点</a:t>
-            </a:r>
-            <a:r>
-              <a:rPr lang="en-US" altLang="zh-CN" dirty="0"/>
-              <a:t>N</a:t>
-            </a:r>
-            <a:r>
-              <a:rPr lang="zh-CN" altLang="en-US" dirty="0"/>
-              <a:t>是一个目标节点。高层在</a:t>
-            </a:r>
-            <a:r>
-              <a:rPr lang="en-US" altLang="zh-CN" dirty="0"/>
-              <a:t>CT</a:t>
-            </a:r>
-            <a:r>
-              <a:rPr lang="zh-CN" altLang="en-US" dirty="0"/>
-              <a:t>上进行最佳优先搜索 </a:t>
-            </a:r>
-            <a:r>
-              <a:rPr lang="en-US" altLang="zh-CN" dirty="0"/>
-              <a:t>(best-first search) </a:t>
-            </a:r>
-            <a:r>
-              <a:rPr lang="zh-CN" altLang="en-US" dirty="0"/>
-              <a:t>，按照节点的代价排序。</a:t>
-            </a:r>
-            <a:endParaRPr lang="en-US" altLang="zh-CN" dirty="0"/>
-          </a:p>
-          <a:p>
-            <a:endParaRPr lang="zh-CN" altLang="en-US" dirty="0"/>
+              <a:t>检测当前节点是否是终点，是终点就构建路径。</a:t>
+            </a:r>
           </a:p>
         </p:txBody>
       </p:sp>
     </p:spTree>
     <p:extLst>
       <p:ext uri="{BB962C8B-B14F-4D97-AF65-F5344CB8AC3E}">
-        <p14:creationId xmlns:p14="http://schemas.microsoft.com/office/powerpoint/2010/main" val="3718096461"/>
+        <p14:creationId xmlns:p14="http://schemas.microsoft.com/office/powerpoint/2010/main" val="3350725381"/>
       </p:ext>
     </p:extLst>
   </p:cSld>
